--- a/paper/figs/endtoend_redrawn.pptx
+++ b/paper/figs/endtoend_redrawn.pptx
@@ -241,7 +241,7 @@
           <a:p>
             <a:fld id="{F7D96F63-0BC2-42DE-87A6-79439F027F4E}" type="datetimeFigureOut">
               <a:rPr lang="en-US" smtClean="0"/>
-              <a:t>10/1/2017</a:t>
+              <a:t>10/2/2017</a:t>
             </a:fld>
             <a:endParaRPr lang="en-US"/>
           </a:p>
@@ -409,7 +409,7 @@
           <a:p>
             <a:fld id="{F7D96F63-0BC2-42DE-87A6-79439F027F4E}" type="datetimeFigureOut">
               <a:rPr lang="en-US" smtClean="0"/>
-              <a:t>10/1/2017</a:t>
+              <a:t>10/2/2017</a:t>
             </a:fld>
             <a:endParaRPr lang="en-US"/>
           </a:p>
@@ -587,7 +587,7 @@
           <a:p>
             <a:fld id="{F7D96F63-0BC2-42DE-87A6-79439F027F4E}" type="datetimeFigureOut">
               <a:rPr lang="en-US" smtClean="0"/>
-              <a:t>10/1/2017</a:t>
+              <a:t>10/2/2017</a:t>
             </a:fld>
             <a:endParaRPr lang="en-US"/>
           </a:p>
@@ -755,7 +755,7 @@
           <a:p>
             <a:fld id="{F7D96F63-0BC2-42DE-87A6-79439F027F4E}" type="datetimeFigureOut">
               <a:rPr lang="en-US" smtClean="0"/>
-              <a:t>10/1/2017</a:t>
+              <a:t>10/2/2017</a:t>
             </a:fld>
             <a:endParaRPr lang="en-US"/>
           </a:p>
@@ -1000,7 +1000,7 @@
           <a:p>
             <a:fld id="{F7D96F63-0BC2-42DE-87A6-79439F027F4E}" type="datetimeFigureOut">
               <a:rPr lang="en-US" smtClean="0"/>
-              <a:t>10/1/2017</a:t>
+              <a:t>10/2/2017</a:t>
             </a:fld>
             <a:endParaRPr lang="en-US"/>
           </a:p>
@@ -1229,7 +1229,7 @@
           <a:p>
             <a:fld id="{F7D96F63-0BC2-42DE-87A6-79439F027F4E}" type="datetimeFigureOut">
               <a:rPr lang="en-US" smtClean="0"/>
-              <a:t>10/1/2017</a:t>
+              <a:t>10/2/2017</a:t>
             </a:fld>
             <a:endParaRPr lang="en-US"/>
           </a:p>
@@ -1593,7 +1593,7 @@
           <a:p>
             <a:fld id="{F7D96F63-0BC2-42DE-87A6-79439F027F4E}" type="datetimeFigureOut">
               <a:rPr lang="en-US" smtClean="0"/>
-              <a:t>10/1/2017</a:t>
+              <a:t>10/2/2017</a:t>
             </a:fld>
             <a:endParaRPr lang="en-US"/>
           </a:p>
@@ -1710,7 +1710,7 @@
           <a:p>
             <a:fld id="{F7D96F63-0BC2-42DE-87A6-79439F027F4E}" type="datetimeFigureOut">
               <a:rPr lang="en-US" smtClean="0"/>
-              <a:t>10/1/2017</a:t>
+              <a:t>10/2/2017</a:t>
             </a:fld>
             <a:endParaRPr lang="en-US"/>
           </a:p>
@@ -1805,7 +1805,7 @@
           <a:p>
             <a:fld id="{F7D96F63-0BC2-42DE-87A6-79439F027F4E}" type="datetimeFigureOut">
               <a:rPr lang="en-US" smtClean="0"/>
-              <a:t>10/1/2017</a:t>
+              <a:t>10/2/2017</a:t>
             </a:fld>
             <a:endParaRPr lang="en-US"/>
           </a:p>
@@ -2080,7 +2080,7 @@
           <a:p>
             <a:fld id="{F7D96F63-0BC2-42DE-87A6-79439F027F4E}" type="datetimeFigureOut">
               <a:rPr lang="en-US" smtClean="0"/>
-              <a:t>10/1/2017</a:t>
+              <a:t>10/2/2017</a:t>
             </a:fld>
             <a:endParaRPr lang="en-US"/>
           </a:p>
@@ -2332,7 +2332,7 @@
           <a:p>
             <a:fld id="{F7D96F63-0BC2-42DE-87A6-79439F027F4E}" type="datetimeFigureOut">
               <a:rPr lang="en-US" smtClean="0"/>
-              <a:t>10/1/2017</a:t>
+              <a:t>10/2/2017</a:t>
             </a:fld>
             <a:endParaRPr lang="en-US"/>
           </a:p>
@@ -2543,7 +2543,7 @@
           <a:p>
             <a:fld id="{F7D96F63-0BC2-42DE-87A6-79439F027F4E}" type="datetimeFigureOut">
               <a:rPr lang="en-US" smtClean="0"/>
-              <a:t>10/1/2017</a:t>
+              <a:t>10/2/2017</a:t>
             </a:fld>
             <a:endParaRPr lang="en-US"/>
           </a:p>
@@ -2950,64 +2950,6 @@
       </p:grpSpPr>
       <p:sp>
         <p:nvSpPr>
-          <p:cNvPr id="4" name="TextBox 3"/>
-          <p:cNvSpPr txBox="1"/>
-          <p:nvPr/>
-        </p:nvSpPr>
-        <p:spPr>
-          <a:xfrm>
-            <a:off x="1136822" y="1598141"/>
-            <a:ext cx="2100648" cy="646331"/>
-          </a:xfrm>
-          <a:prstGeom prst="rect">
-            <a:avLst/>
-          </a:prstGeom>
-          <a:noFill/>
-        </p:spPr>
-        <p:txBody>
-          <a:bodyPr wrap="square" rtlCol="0">
-            <a:spAutoFit/>
-          </a:bodyPr>
-          <a:lstStyle/>
-          <a:p>
-            <a:r>
-              <a:rPr lang="en-US" dirty="0"/>
-              <a:t>Standard robotic control</a:t>
-            </a:r>
-          </a:p>
-        </p:txBody>
-      </p:sp>
-      <p:sp>
-        <p:nvSpPr>
-          <p:cNvPr id="5" name="TextBox 4"/>
-          <p:cNvSpPr txBox="1"/>
-          <p:nvPr/>
-        </p:nvSpPr>
-        <p:spPr>
-          <a:xfrm>
-            <a:off x="1136822" y="2751438"/>
-            <a:ext cx="1869989" cy="923330"/>
-          </a:xfrm>
-          <a:prstGeom prst="rect">
-            <a:avLst/>
-          </a:prstGeom>
-          <a:noFill/>
-        </p:spPr>
-        <p:txBody>
-          <a:bodyPr wrap="square" rtlCol="0">
-            <a:spAutoFit/>
-          </a:bodyPr>
-          <a:lstStyle/>
-          <a:p>
-            <a:r>
-              <a:rPr lang="en-US" dirty="0"/>
-              <a:t>Deep sensorimotor learning</a:t>
-            </a:r>
-          </a:p>
-        </p:txBody>
-      </p:sp>
-      <p:sp>
-        <p:nvSpPr>
           <p:cNvPr id="6" name="Rounded Rectangle 5"/>
           <p:cNvSpPr/>
           <p:nvPr/>
@@ -3040,7 +2982,11 @@
           <a:lstStyle/>
           <a:p>
             <a:pPr algn="ctr"/>
-            <a:endParaRPr lang="en-US"/>
+            <a:r>
+              <a:rPr lang="en-US" sz="1200" dirty="0" smtClean="0"/>
+              <a:t>Observation</a:t>
+            </a:r>
+            <a:endParaRPr lang="en-US" sz="1200" dirty="0"/>
           </a:p>
         </p:txBody>
       </p:sp>
@@ -3078,7 +3024,11 @@
           <a:lstStyle/>
           <a:p>
             <a:pPr algn="ctr"/>
-            <a:endParaRPr lang="en-US"/>
+            <a:r>
+              <a:rPr lang="en-US" sz="1200" dirty="0" smtClean="0"/>
+              <a:t>Modeling &amp; prediction</a:t>
+            </a:r>
+            <a:endParaRPr lang="en-US" sz="1200" dirty="0"/>
           </a:p>
         </p:txBody>
       </p:sp>
@@ -3116,7 +3066,11 @@
           <a:lstStyle/>
           <a:p>
             <a:pPr algn="ctr"/>
-            <a:endParaRPr lang="en-US"/>
+            <a:r>
+              <a:rPr lang="en-US" sz="1200" dirty="0" smtClean="0"/>
+              <a:t>Motion planning</a:t>
+            </a:r>
+            <a:endParaRPr lang="en-US" sz="1200" dirty="0"/>
           </a:p>
         </p:txBody>
       </p:sp>
@@ -3154,7 +3108,11 @@
           <a:lstStyle/>
           <a:p>
             <a:pPr algn="ctr"/>
-            <a:endParaRPr lang="en-US"/>
+            <a:r>
+              <a:rPr lang="en-US" sz="1200" dirty="0" smtClean="0"/>
+              <a:t>State estimation</a:t>
+            </a:r>
+            <a:endParaRPr lang="en-US" sz="1200" dirty="0"/>
           </a:p>
         </p:txBody>
       </p:sp>
@@ -3192,7 +3150,15 @@
           <a:lstStyle/>
           <a:p>
             <a:pPr algn="ctr"/>
-            <a:endParaRPr lang="en-US"/>
+            <a:r>
+              <a:rPr lang="en-US" sz="1200" dirty="0"/>
+              <a:t>Low-level controller (e.g. PD</a:t>
+            </a:r>
+            <a:r>
+              <a:rPr lang="en-US" sz="1200" dirty="0" smtClean="0"/>
+              <a:t>)</a:t>
+            </a:r>
+            <a:endParaRPr lang="en-US" sz="1200" dirty="0"/>
           </a:p>
         </p:txBody>
       </p:sp>
@@ -3230,186 +3196,15 @@
           <a:lstStyle/>
           <a:p>
             <a:pPr algn="ctr"/>
-            <a:endParaRPr lang="en-US"/>
-          </a:p>
-        </p:txBody>
-      </p:sp>
-      <p:sp>
-        <p:nvSpPr>
-          <p:cNvPr id="12" name="TextBox 11"/>
-          <p:cNvSpPr txBox="1"/>
-          <p:nvPr/>
-        </p:nvSpPr>
-        <p:spPr>
-          <a:xfrm>
-            <a:off x="3188866" y="1833096"/>
-            <a:ext cx="974431" cy="261610"/>
-          </a:xfrm>
-          <a:prstGeom prst="rect">
-            <a:avLst/>
-          </a:prstGeom>
-          <a:noFill/>
-        </p:spPr>
-        <p:txBody>
-          <a:bodyPr wrap="square" rtlCol="0">
-            <a:spAutoFit/>
-          </a:bodyPr>
-          <a:lstStyle/>
-          <a:p>
-            <a:r>
-              <a:rPr lang="en-US" sz="1100" dirty="0"/>
-              <a:t>Observations</a:t>
-            </a:r>
-          </a:p>
-        </p:txBody>
-      </p:sp>
-      <p:sp>
-        <p:nvSpPr>
-          <p:cNvPr id="13" name="TextBox 12"/>
-          <p:cNvSpPr txBox="1"/>
-          <p:nvPr/>
-        </p:nvSpPr>
-        <p:spPr>
-          <a:xfrm>
-            <a:off x="4455246" y="1662996"/>
-            <a:ext cx="974431" cy="600164"/>
-          </a:xfrm>
-          <a:prstGeom prst="rect">
-            <a:avLst/>
-          </a:prstGeom>
-          <a:noFill/>
-        </p:spPr>
-        <p:txBody>
-          <a:bodyPr wrap="square" rtlCol="0">
-            <a:spAutoFit/>
-          </a:bodyPr>
-          <a:lstStyle/>
-          <a:p>
-            <a:r>
-              <a:rPr lang="en-US" sz="1100" dirty="0"/>
-              <a:t>State estimation (e.g. </a:t>
-            </a:r>
-            <a:r>
-              <a:rPr lang="en-US" sz="1100"/>
-              <a:t>vision)</a:t>
-            </a:r>
-            <a:endParaRPr lang="en-US" sz="1100" dirty="0"/>
-          </a:p>
-        </p:txBody>
-      </p:sp>
-      <p:sp>
-        <p:nvSpPr>
-          <p:cNvPr id="14" name="TextBox 13"/>
-          <p:cNvSpPr txBox="1"/>
-          <p:nvPr/>
-        </p:nvSpPr>
-        <p:spPr>
-          <a:xfrm>
-            <a:off x="5817015" y="1743692"/>
-            <a:ext cx="974431" cy="430887"/>
-          </a:xfrm>
-          <a:prstGeom prst="rect">
-            <a:avLst/>
-          </a:prstGeom>
-          <a:noFill/>
-        </p:spPr>
-        <p:txBody>
-          <a:bodyPr wrap="square" rtlCol="0">
-            <a:spAutoFit/>
-          </a:bodyPr>
-          <a:lstStyle/>
-          <a:p>
-            <a:r>
-              <a:rPr lang="en-US" sz="1100" dirty="0"/>
-              <a:t>Modeling &amp; prediction</a:t>
-            </a:r>
-          </a:p>
-        </p:txBody>
-      </p:sp>
-      <p:sp>
-        <p:nvSpPr>
-          <p:cNvPr id="15" name="TextBox 14"/>
-          <p:cNvSpPr txBox="1"/>
-          <p:nvPr/>
-        </p:nvSpPr>
-        <p:spPr>
-          <a:xfrm>
-            <a:off x="7185279" y="1747634"/>
-            <a:ext cx="974431" cy="430887"/>
-          </a:xfrm>
-          <a:prstGeom prst="rect">
-            <a:avLst/>
-          </a:prstGeom>
-          <a:noFill/>
-        </p:spPr>
-        <p:txBody>
-          <a:bodyPr wrap="square" rtlCol="0">
-            <a:spAutoFit/>
-          </a:bodyPr>
-          <a:lstStyle/>
-          <a:p>
-            <a:r>
-              <a:rPr lang="en-US" sz="1100" dirty="0"/>
-              <a:t>Motion planning</a:t>
-            </a:r>
-          </a:p>
-        </p:txBody>
-      </p:sp>
-      <p:sp>
-        <p:nvSpPr>
-          <p:cNvPr id="16" name="TextBox 15"/>
-          <p:cNvSpPr txBox="1"/>
-          <p:nvPr/>
-        </p:nvSpPr>
-        <p:spPr>
-          <a:xfrm>
-            <a:off x="8474511" y="1662995"/>
-            <a:ext cx="974431" cy="600164"/>
-          </a:xfrm>
-          <a:prstGeom prst="rect">
-            <a:avLst/>
-          </a:prstGeom>
-          <a:noFill/>
-        </p:spPr>
-        <p:txBody>
-          <a:bodyPr wrap="square" rtlCol="0">
-            <a:spAutoFit/>
-          </a:bodyPr>
-          <a:lstStyle/>
-          <a:p>
-            <a:r>
-              <a:rPr lang="en-US" sz="1100" dirty="0"/>
-              <a:t>Low-level controller (e.g. PD)</a:t>
-            </a:r>
-          </a:p>
-        </p:txBody>
-      </p:sp>
-      <p:sp>
-        <p:nvSpPr>
-          <p:cNvPr id="17" name="TextBox 16"/>
-          <p:cNvSpPr txBox="1"/>
-          <p:nvPr/>
-        </p:nvSpPr>
-        <p:spPr>
-          <a:xfrm>
-            <a:off x="9786900" y="1743692"/>
-            <a:ext cx="974431" cy="430887"/>
-          </a:xfrm>
-          <a:prstGeom prst="rect">
-            <a:avLst/>
-          </a:prstGeom>
-          <a:noFill/>
-        </p:spPr>
-        <p:txBody>
-          <a:bodyPr wrap="square" rtlCol="0">
-            <a:spAutoFit/>
-          </a:bodyPr>
-          <a:lstStyle/>
-          <a:p>
-            <a:r>
-              <a:rPr lang="en-US" sz="1100" dirty="0"/>
-              <a:t>Motor torques</a:t>
-            </a:r>
+            <a:r>
+              <a:rPr lang="en-US" sz="1200" dirty="0"/>
+              <a:t>Motor </a:t>
+            </a:r>
+            <a:r>
+              <a:rPr lang="en-US" sz="1200" dirty="0" smtClean="0"/>
+              <a:t>torques</a:t>
+            </a:r>
+            <a:endParaRPr lang="en-US" sz="1400" dirty="0"/>
           </a:p>
         </p:txBody>
       </p:sp>
@@ -3495,14 +3290,14 @@
       </p:sp>
       <p:sp>
         <p:nvSpPr>
-          <p:cNvPr id="21" name="Right Arrow 20"/>
+          <p:cNvPr id="22" name="Right Arrow 21"/>
           <p:cNvSpPr/>
           <p:nvPr/>
         </p:nvSpPr>
         <p:spPr>
           <a:xfrm>
-            <a:off x="8592272" y="3059136"/>
-            <a:ext cx="270610" cy="302144"/>
+            <a:off x="9358357" y="1808063"/>
+            <a:ext cx="182463" cy="302144"/>
           </a:xfrm>
           <a:prstGeom prst="rightArrow">
             <a:avLst/>
@@ -3535,13 +3330,13 @@
       </p:sp>
       <p:sp>
         <p:nvSpPr>
-          <p:cNvPr id="22" name="Right Arrow 21"/>
+          <p:cNvPr id="23" name="Right Arrow 22"/>
           <p:cNvSpPr/>
           <p:nvPr/>
         </p:nvSpPr>
         <p:spPr>
           <a:xfrm>
-            <a:off x="9358357" y="1808063"/>
+            <a:off x="8077433" y="1814226"/>
             <a:ext cx="182463" cy="302144"/>
           </a:xfrm>
           <a:prstGeom prst="rightArrow">
@@ -3575,13 +3370,13 @@
       </p:sp>
       <p:sp>
         <p:nvSpPr>
-          <p:cNvPr id="23" name="Right Arrow 22"/>
+          <p:cNvPr id="24" name="Right Arrow 23"/>
           <p:cNvSpPr/>
           <p:nvPr/>
         </p:nvSpPr>
         <p:spPr>
           <a:xfrm>
-            <a:off x="8077433" y="1814226"/>
+            <a:off x="6788671" y="1833096"/>
             <a:ext cx="182463" cy="302144"/>
           </a:xfrm>
           <a:prstGeom prst="rightArrow">
@@ -3615,14 +3410,14 @@
       </p:sp>
       <p:sp>
         <p:nvSpPr>
-          <p:cNvPr id="24" name="Right Arrow 23"/>
+          <p:cNvPr id="21" name="Right Arrow 20"/>
           <p:cNvSpPr/>
           <p:nvPr/>
         </p:nvSpPr>
         <p:spPr>
           <a:xfrm>
-            <a:off x="6788671" y="1833096"/>
-            <a:ext cx="182463" cy="302144"/>
+            <a:off x="9041460" y="3273591"/>
+            <a:ext cx="270610" cy="302144"/>
           </a:xfrm>
           <a:prstGeom prst="rightArrow">
             <a:avLst/>
@@ -3655,80 +3450,13 @@
       </p:sp>
       <p:sp>
         <p:nvSpPr>
-          <p:cNvPr id="25" name="Rounded Rectangle 24"/>
-          <p:cNvSpPr/>
-          <p:nvPr/>
-        </p:nvSpPr>
-        <p:spPr>
-          <a:xfrm>
-            <a:off x="3098656" y="2765184"/>
-            <a:ext cx="1374987" cy="909584"/>
-          </a:xfrm>
-          <a:prstGeom prst="roundRect">
-            <a:avLst/>
-          </a:prstGeom>
-        </p:spPr>
-        <p:style>
-          <a:lnRef idx="1">
-            <a:schemeClr val="accent1"/>
-          </a:lnRef>
-          <a:fillRef idx="2">
-            <a:schemeClr val="accent1"/>
-          </a:fillRef>
-          <a:effectRef idx="1">
-            <a:schemeClr val="accent1"/>
-          </a:effectRef>
-          <a:fontRef idx="minor">
-            <a:schemeClr val="dk1"/>
-          </a:fontRef>
-        </p:style>
-        <p:txBody>
-          <a:bodyPr rtlCol="0" anchor="ctr"/>
-          <a:lstStyle/>
-          <a:p>
-            <a:pPr algn="ctr"/>
-            <a:endParaRPr lang="en-US"/>
-          </a:p>
-        </p:txBody>
-      </p:sp>
-      <p:sp>
-        <p:nvSpPr>
-          <p:cNvPr id="26" name="TextBox 25"/>
-          <p:cNvSpPr txBox="1"/>
-          <p:nvPr/>
-        </p:nvSpPr>
-        <p:spPr>
-          <a:xfrm>
-            <a:off x="3344441" y="3082298"/>
-            <a:ext cx="1221047" cy="261610"/>
-          </a:xfrm>
-          <a:prstGeom prst="rect">
-            <a:avLst/>
-          </a:prstGeom>
-          <a:noFill/>
-        </p:spPr>
-        <p:txBody>
-          <a:bodyPr wrap="square" rtlCol="0">
-            <a:spAutoFit/>
-          </a:bodyPr>
-          <a:lstStyle/>
-          <a:p>
-            <a:r>
-              <a:rPr lang="en-US" sz="1100" dirty="0"/>
-              <a:t>Observations</a:t>
-            </a:r>
-          </a:p>
-        </p:txBody>
-      </p:sp>
-      <p:sp>
-        <p:nvSpPr>
           <p:cNvPr id="27" name="Right Arrow 26"/>
           <p:cNvSpPr/>
           <p:nvPr/>
         </p:nvSpPr>
         <p:spPr>
           <a:xfrm>
-            <a:off x="4789432" y="3059136"/>
+            <a:off x="4480338" y="3290958"/>
             <a:ext cx="270610" cy="302144"/>
           </a:xfrm>
           <a:prstGeom prst="rightArrow">
@@ -3768,7 +3496,7 @@
         </p:nvSpPr>
         <p:spPr>
           <a:xfrm>
-            <a:off x="5336491" y="2751438"/>
+            <a:off x="4988758" y="2983260"/>
             <a:ext cx="340257" cy="1007746"/>
           </a:xfrm>
           <a:prstGeom prst="roundRect">
@@ -3806,7 +3534,7 @@
         </p:nvSpPr>
         <p:spPr>
           <a:xfrm>
-            <a:off x="5399527" y="2808827"/>
+            <a:off x="5051794" y="3040649"/>
             <a:ext cx="214183" cy="216913"/>
           </a:xfrm>
           <a:prstGeom prst="ellipse">
@@ -3844,7 +3572,7 @@
         </p:nvSpPr>
         <p:spPr>
           <a:xfrm>
-            <a:off x="5370559" y="2808826"/>
+            <a:off x="5022826" y="3040648"/>
             <a:ext cx="306189" cy="230832"/>
           </a:xfrm>
           <a:prstGeom prst="rect">
@@ -3878,7 +3606,7 @@
         </p:nvSpPr>
         <p:spPr>
           <a:xfrm>
-            <a:off x="5487251" y="3081136"/>
+            <a:off x="5139518" y="3312958"/>
             <a:ext cx="45719" cy="45719"/>
           </a:xfrm>
           <a:prstGeom prst="ellipse">
@@ -3918,7 +3646,7 @@
         </p:nvSpPr>
         <p:spPr>
           <a:xfrm>
-            <a:off x="5487251" y="3187349"/>
+            <a:off x="5139518" y="3419171"/>
             <a:ext cx="45719" cy="45719"/>
           </a:xfrm>
           <a:prstGeom prst="ellipse">
@@ -3958,7 +3686,7 @@
         </p:nvSpPr>
         <p:spPr>
           <a:xfrm>
-            <a:off x="5487251" y="3297003"/>
+            <a:off x="5139518" y="3528825"/>
             <a:ext cx="45719" cy="45719"/>
           </a:xfrm>
           <a:prstGeom prst="ellipse">
@@ -3998,7 +3726,7 @@
         </p:nvSpPr>
         <p:spPr>
           <a:xfrm>
-            <a:off x="5487251" y="3401798"/>
+            <a:off x="5139518" y="3633620"/>
             <a:ext cx="45719" cy="45719"/>
           </a:xfrm>
           <a:prstGeom prst="ellipse">
@@ -4038,7 +3766,7 @@
         </p:nvSpPr>
         <p:spPr>
           <a:xfrm>
-            <a:off x="5399527" y="3489830"/>
+            <a:off x="5051794" y="3721652"/>
             <a:ext cx="214183" cy="216913"/>
           </a:xfrm>
           <a:prstGeom prst="ellipse">
@@ -4076,7 +3804,7 @@
         </p:nvSpPr>
         <p:spPr>
           <a:xfrm>
-            <a:off x="5370559" y="3489829"/>
+            <a:off x="5022826" y="3721651"/>
             <a:ext cx="306189" cy="230832"/>
           </a:xfrm>
           <a:prstGeom prst="rect">
@@ -4110,7 +3838,7 @@
         </p:nvSpPr>
         <p:spPr>
           <a:xfrm>
-            <a:off x="6027711" y="2751438"/>
+            <a:off x="5679978" y="2983260"/>
             <a:ext cx="340257" cy="1007746"/>
           </a:xfrm>
           <a:prstGeom prst="roundRect">
@@ -4148,7 +3876,7 @@
         </p:nvSpPr>
         <p:spPr>
           <a:xfrm>
-            <a:off x="6090747" y="2808827"/>
+            <a:off x="5743014" y="3040649"/>
             <a:ext cx="214183" cy="216913"/>
           </a:xfrm>
           <a:prstGeom prst="ellipse">
@@ -4186,7 +3914,7 @@
         </p:nvSpPr>
         <p:spPr>
           <a:xfrm>
-            <a:off x="6061779" y="2808826"/>
+            <a:off x="5714046" y="3040648"/>
             <a:ext cx="306189" cy="230832"/>
           </a:xfrm>
           <a:prstGeom prst="rect">
@@ -4220,7 +3948,7 @@
         </p:nvSpPr>
         <p:spPr>
           <a:xfrm>
-            <a:off x="6178471" y="3081136"/>
+            <a:off x="5830738" y="3312958"/>
             <a:ext cx="45719" cy="45719"/>
           </a:xfrm>
           <a:prstGeom prst="ellipse">
@@ -4260,7 +3988,7 @@
         </p:nvSpPr>
         <p:spPr>
           <a:xfrm>
-            <a:off x="6178471" y="3187349"/>
+            <a:off x="5830738" y="3419171"/>
             <a:ext cx="45719" cy="45719"/>
           </a:xfrm>
           <a:prstGeom prst="ellipse">
@@ -4300,7 +4028,7 @@
         </p:nvSpPr>
         <p:spPr>
           <a:xfrm>
-            <a:off x="6178471" y="3297003"/>
+            <a:off x="5830738" y="3528825"/>
             <a:ext cx="45719" cy="45719"/>
           </a:xfrm>
           <a:prstGeom prst="ellipse">
@@ -4340,7 +4068,7 @@
         </p:nvSpPr>
         <p:spPr>
           <a:xfrm>
-            <a:off x="6178471" y="3401798"/>
+            <a:off x="5830738" y="3633620"/>
             <a:ext cx="45719" cy="45719"/>
           </a:xfrm>
           <a:prstGeom prst="ellipse">
@@ -4380,7 +4108,7 @@
         </p:nvSpPr>
         <p:spPr>
           <a:xfrm>
-            <a:off x="6090747" y="3489830"/>
+            <a:off x="5743014" y="3721652"/>
             <a:ext cx="214183" cy="216913"/>
           </a:xfrm>
           <a:prstGeom prst="ellipse">
@@ -4418,7 +4146,7 @@
         </p:nvSpPr>
         <p:spPr>
           <a:xfrm>
-            <a:off x="6061779" y="3489829"/>
+            <a:off x="5714046" y="3721651"/>
             <a:ext cx="306189" cy="230832"/>
           </a:xfrm>
           <a:prstGeom prst="rect">
@@ -4452,7 +4180,7 @@
         </p:nvSpPr>
         <p:spPr>
           <a:xfrm>
-            <a:off x="7332237" y="2751438"/>
+            <a:off x="7782995" y="2983260"/>
             <a:ext cx="340257" cy="1007746"/>
           </a:xfrm>
           <a:prstGeom prst="roundRect">
@@ -4490,7 +4218,7 @@
         </p:nvSpPr>
         <p:spPr>
           <a:xfrm>
-            <a:off x="7395273" y="2808827"/>
+            <a:off x="7846031" y="3040649"/>
             <a:ext cx="214183" cy="216913"/>
           </a:xfrm>
           <a:prstGeom prst="ellipse">
@@ -4528,7 +4256,7 @@
         </p:nvSpPr>
         <p:spPr>
           <a:xfrm>
-            <a:off x="7366305" y="2808826"/>
+            <a:off x="7817063" y="3040648"/>
             <a:ext cx="306189" cy="230832"/>
           </a:xfrm>
           <a:prstGeom prst="rect">
@@ -4562,7 +4290,7 @@
         </p:nvSpPr>
         <p:spPr>
           <a:xfrm>
-            <a:off x="7482997" y="3081136"/>
+            <a:off x="7933755" y="3312958"/>
             <a:ext cx="45719" cy="45719"/>
           </a:xfrm>
           <a:prstGeom prst="ellipse">
@@ -4602,7 +4330,7 @@
         </p:nvSpPr>
         <p:spPr>
           <a:xfrm>
-            <a:off x="7482997" y="3187349"/>
+            <a:off x="7933755" y="3419171"/>
             <a:ext cx="45719" cy="45719"/>
           </a:xfrm>
           <a:prstGeom prst="ellipse">
@@ -4642,7 +4370,7 @@
         </p:nvSpPr>
         <p:spPr>
           <a:xfrm>
-            <a:off x="7482997" y="3297003"/>
+            <a:off x="7933755" y="3528825"/>
             <a:ext cx="45719" cy="45719"/>
           </a:xfrm>
           <a:prstGeom prst="ellipse">
@@ -4682,7 +4410,7 @@
         </p:nvSpPr>
         <p:spPr>
           <a:xfrm>
-            <a:off x="7482997" y="3401798"/>
+            <a:off x="7933755" y="3633620"/>
             <a:ext cx="45719" cy="45719"/>
           </a:xfrm>
           <a:prstGeom prst="ellipse">
@@ -4722,7 +4450,7 @@
         </p:nvSpPr>
         <p:spPr>
           <a:xfrm>
-            <a:off x="7395273" y="3489830"/>
+            <a:off x="7846031" y="3721652"/>
             <a:ext cx="214183" cy="216913"/>
           </a:xfrm>
           <a:prstGeom prst="ellipse">
@@ -4760,7 +4488,7 @@
         </p:nvSpPr>
         <p:spPr>
           <a:xfrm>
-            <a:off x="7366305" y="3489829"/>
+            <a:off x="7817063" y="3721651"/>
             <a:ext cx="306189" cy="230832"/>
           </a:xfrm>
           <a:prstGeom prst="rect">
@@ -4794,7 +4522,7 @@
         </p:nvSpPr>
         <p:spPr>
           <a:xfrm>
-            <a:off x="7975566" y="2751438"/>
+            <a:off x="8426324" y="2983260"/>
             <a:ext cx="340257" cy="1007746"/>
           </a:xfrm>
           <a:prstGeom prst="roundRect">
@@ -4832,7 +4560,7 @@
         </p:nvSpPr>
         <p:spPr>
           <a:xfrm>
-            <a:off x="8038602" y="2808827"/>
+            <a:off x="8489360" y="3040649"/>
             <a:ext cx="214183" cy="216913"/>
           </a:xfrm>
           <a:prstGeom prst="ellipse">
@@ -4870,7 +4598,7 @@
         </p:nvSpPr>
         <p:spPr>
           <a:xfrm>
-            <a:off x="8009634" y="2808826"/>
+            <a:off x="8460392" y="3040648"/>
             <a:ext cx="306189" cy="230832"/>
           </a:xfrm>
           <a:prstGeom prst="rect">
@@ -4904,7 +4632,7 @@
         </p:nvSpPr>
         <p:spPr>
           <a:xfrm>
-            <a:off x="8126326" y="3081136"/>
+            <a:off x="8577084" y="3312958"/>
             <a:ext cx="45719" cy="45719"/>
           </a:xfrm>
           <a:prstGeom prst="ellipse">
@@ -4944,7 +4672,7 @@
         </p:nvSpPr>
         <p:spPr>
           <a:xfrm>
-            <a:off x="8126326" y="3187349"/>
+            <a:off x="8577084" y="3419171"/>
             <a:ext cx="45719" cy="45719"/>
           </a:xfrm>
           <a:prstGeom prst="ellipse">
@@ -4984,7 +4712,7 @@
         </p:nvSpPr>
         <p:spPr>
           <a:xfrm>
-            <a:off x="8126326" y="3297003"/>
+            <a:off x="8577084" y="3528825"/>
             <a:ext cx="45719" cy="45719"/>
           </a:xfrm>
           <a:prstGeom prst="ellipse">
@@ -5024,7 +4752,7 @@
         </p:nvSpPr>
         <p:spPr>
           <a:xfrm>
-            <a:off x="8126326" y="3401798"/>
+            <a:off x="8577084" y="3633620"/>
             <a:ext cx="45719" cy="45719"/>
           </a:xfrm>
           <a:prstGeom prst="ellipse">
@@ -5064,7 +4792,7 @@
         </p:nvSpPr>
         <p:spPr>
           <a:xfrm>
-            <a:off x="8038602" y="3489830"/>
+            <a:off x="8489360" y="3721652"/>
             <a:ext cx="214183" cy="216913"/>
           </a:xfrm>
           <a:prstGeom prst="ellipse">
@@ -5102,7 +4830,7 @@
         </p:nvSpPr>
         <p:spPr>
           <a:xfrm>
-            <a:off x="8005800" y="3486782"/>
+            <a:off x="8456558" y="3718604"/>
             <a:ext cx="351266" cy="230832"/>
           </a:xfrm>
           <a:prstGeom prst="rect">
@@ -5136,7 +4864,7 @@
         </p:nvSpPr>
         <p:spPr>
           <a:xfrm>
-            <a:off x="6453605" y="2891458"/>
+            <a:off x="6299056" y="3123280"/>
             <a:ext cx="45719" cy="53047"/>
           </a:xfrm>
           <a:prstGeom prst="ellipse">
@@ -5176,7 +4904,7 @@
         </p:nvSpPr>
         <p:spPr>
           <a:xfrm>
-            <a:off x="6597978" y="2891458"/>
+            <a:off x="6443429" y="3123280"/>
             <a:ext cx="45719" cy="53047"/>
           </a:xfrm>
           <a:prstGeom prst="ellipse">
@@ -5216,7 +4944,7 @@
         </p:nvSpPr>
         <p:spPr>
           <a:xfrm>
-            <a:off x="6741839" y="2891456"/>
+            <a:off x="6600169" y="3123278"/>
             <a:ext cx="45719" cy="53047"/>
           </a:xfrm>
           <a:prstGeom prst="ellipse">
@@ -5256,7 +4984,7 @@
         </p:nvSpPr>
         <p:spPr>
           <a:xfrm>
-            <a:off x="6891897" y="2891458"/>
+            <a:off x="6750227" y="3123280"/>
             <a:ext cx="45719" cy="53047"/>
           </a:xfrm>
           <a:prstGeom prst="ellipse">
@@ -5296,7 +5024,7 @@
         </p:nvSpPr>
         <p:spPr>
           <a:xfrm>
-            <a:off x="7038259" y="2891458"/>
+            <a:off x="6896589" y="3123280"/>
             <a:ext cx="45719" cy="53047"/>
           </a:xfrm>
           <a:prstGeom prst="ellipse">
@@ -5330,13 +5058,13 @@
       </p:sp>
       <p:sp>
         <p:nvSpPr>
-          <p:cNvPr id="105" name="Oval 104"/>
+          <p:cNvPr id="106" name="Oval 105"/>
           <p:cNvSpPr/>
           <p:nvPr/>
         </p:nvSpPr>
         <p:spPr>
           <a:xfrm>
-            <a:off x="7192014" y="2891457"/>
+            <a:off x="6299056" y="3477736"/>
             <a:ext cx="45719" cy="53047"/>
           </a:xfrm>
           <a:prstGeom prst="ellipse">
@@ -5370,13 +5098,13 @@
       </p:sp>
       <p:sp>
         <p:nvSpPr>
-          <p:cNvPr id="106" name="Oval 105"/>
+          <p:cNvPr id="107" name="Oval 106"/>
           <p:cNvSpPr/>
           <p:nvPr/>
         </p:nvSpPr>
         <p:spPr>
           <a:xfrm>
-            <a:off x="6453605" y="3245914"/>
+            <a:off x="6443429" y="3477736"/>
             <a:ext cx="45719" cy="53047"/>
           </a:xfrm>
           <a:prstGeom prst="ellipse">
@@ -5410,13 +5138,13 @@
       </p:sp>
       <p:sp>
         <p:nvSpPr>
-          <p:cNvPr id="107" name="Oval 106"/>
+          <p:cNvPr id="108" name="Oval 107"/>
           <p:cNvSpPr/>
           <p:nvPr/>
         </p:nvSpPr>
         <p:spPr>
           <a:xfrm>
-            <a:off x="6597978" y="3245914"/>
+            <a:off x="6600169" y="3477734"/>
             <a:ext cx="45719" cy="53047"/>
           </a:xfrm>
           <a:prstGeom prst="ellipse">
@@ -5450,13 +5178,13 @@
       </p:sp>
       <p:sp>
         <p:nvSpPr>
-          <p:cNvPr id="108" name="Oval 107"/>
+          <p:cNvPr id="109" name="Oval 108"/>
           <p:cNvSpPr/>
           <p:nvPr/>
         </p:nvSpPr>
         <p:spPr>
           <a:xfrm>
-            <a:off x="6741839" y="3245912"/>
+            <a:off x="6750227" y="3477736"/>
             <a:ext cx="45719" cy="53047"/>
           </a:xfrm>
           <a:prstGeom prst="ellipse">
@@ -5490,13 +5218,13 @@
       </p:sp>
       <p:sp>
         <p:nvSpPr>
-          <p:cNvPr id="109" name="Oval 108"/>
+          <p:cNvPr id="110" name="Oval 109"/>
           <p:cNvSpPr/>
           <p:nvPr/>
         </p:nvSpPr>
         <p:spPr>
           <a:xfrm>
-            <a:off x="6891897" y="3245914"/>
+            <a:off x="6896589" y="3477736"/>
             <a:ext cx="45719" cy="53047"/>
           </a:xfrm>
           <a:prstGeom prst="ellipse">
@@ -5530,13 +5258,13 @@
       </p:sp>
       <p:sp>
         <p:nvSpPr>
-          <p:cNvPr id="110" name="Oval 109"/>
+          <p:cNvPr id="112" name="Oval 111"/>
           <p:cNvSpPr/>
           <p:nvPr/>
         </p:nvSpPr>
         <p:spPr>
           <a:xfrm>
-            <a:off x="7038259" y="3245914"/>
+            <a:off x="6299190" y="3833478"/>
             <a:ext cx="45719" cy="53047"/>
           </a:xfrm>
           <a:prstGeom prst="ellipse">
@@ -5570,13 +5298,13 @@
       </p:sp>
       <p:sp>
         <p:nvSpPr>
-          <p:cNvPr id="111" name="Oval 110"/>
+          <p:cNvPr id="113" name="Oval 112"/>
           <p:cNvSpPr/>
           <p:nvPr/>
         </p:nvSpPr>
         <p:spPr>
           <a:xfrm>
-            <a:off x="7192014" y="3245913"/>
+            <a:off x="6443563" y="3833478"/>
             <a:ext cx="45719" cy="53047"/>
           </a:xfrm>
           <a:prstGeom prst="ellipse">
@@ -5610,13 +5338,13 @@
       </p:sp>
       <p:sp>
         <p:nvSpPr>
-          <p:cNvPr id="112" name="Oval 111"/>
+          <p:cNvPr id="114" name="Oval 113"/>
           <p:cNvSpPr/>
           <p:nvPr/>
         </p:nvSpPr>
         <p:spPr>
           <a:xfrm>
-            <a:off x="6453739" y="3601656"/>
+            <a:off x="6600303" y="3833476"/>
             <a:ext cx="45719" cy="53047"/>
           </a:xfrm>
           <a:prstGeom prst="ellipse">
@@ -5650,13 +5378,13 @@
       </p:sp>
       <p:sp>
         <p:nvSpPr>
-          <p:cNvPr id="113" name="Oval 112"/>
+          <p:cNvPr id="115" name="Oval 114"/>
           <p:cNvSpPr/>
           <p:nvPr/>
         </p:nvSpPr>
         <p:spPr>
           <a:xfrm>
-            <a:off x="6598112" y="3601656"/>
+            <a:off x="6750361" y="3833478"/>
             <a:ext cx="45719" cy="53047"/>
           </a:xfrm>
           <a:prstGeom prst="ellipse">
@@ -5690,13 +5418,13 @@
       </p:sp>
       <p:sp>
         <p:nvSpPr>
-          <p:cNvPr id="114" name="Oval 113"/>
+          <p:cNvPr id="116" name="Oval 115"/>
           <p:cNvSpPr/>
           <p:nvPr/>
         </p:nvSpPr>
         <p:spPr>
           <a:xfrm>
-            <a:off x="6741973" y="3601654"/>
+            <a:off x="6896723" y="3833478"/>
             <a:ext cx="45719" cy="53047"/>
           </a:xfrm>
           <a:prstGeom prst="ellipse">
@@ -5728,193 +5456,6 @@
           </a:p>
         </p:txBody>
       </p:sp>
-      <p:sp>
-        <p:nvSpPr>
-          <p:cNvPr id="115" name="Oval 114"/>
-          <p:cNvSpPr/>
-          <p:nvPr/>
-        </p:nvSpPr>
-        <p:spPr>
-          <a:xfrm>
-            <a:off x="6892031" y="3601656"/>
-            <a:ext cx="45719" cy="53047"/>
-          </a:xfrm>
-          <a:prstGeom prst="ellipse">
-            <a:avLst/>
-          </a:prstGeom>
-        </p:spPr>
-        <p:style>
-          <a:lnRef idx="2">
-            <a:schemeClr val="dk1">
-              <a:shade val="50000"/>
-            </a:schemeClr>
-          </a:lnRef>
-          <a:fillRef idx="1">
-            <a:schemeClr val="dk1"/>
-          </a:fillRef>
-          <a:effectRef idx="0">
-            <a:schemeClr val="dk1"/>
-          </a:effectRef>
-          <a:fontRef idx="minor">
-            <a:schemeClr val="lt1"/>
-          </a:fontRef>
-        </p:style>
-        <p:txBody>
-          <a:bodyPr rtlCol="0" anchor="ctr"/>
-          <a:lstStyle/>
-          <a:p>
-            <a:pPr algn="ctr"/>
-            <a:endParaRPr lang="en-US"/>
-          </a:p>
-        </p:txBody>
-      </p:sp>
-      <p:sp>
-        <p:nvSpPr>
-          <p:cNvPr id="116" name="Oval 115"/>
-          <p:cNvSpPr/>
-          <p:nvPr/>
-        </p:nvSpPr>
-        <p:spPr>
-          <a:xfrm>
-            <a:off x="7038393" y="3601656"/>
-            <a:ext cx="45719" cy="53047"/>
-          </a:xfrm>
-          <a:prstGeom prst="ellipse">
-            <a:avLst/>
-          </a:prstGeom>
-        </p:spPr>
-        <p:style>
-          <a:lnRef idx="2">
-            <a:schemeClr val="dk1">
-              <a:shade val="50000"/>
-            </a:schemeClr>
-          </a:lnRef>
-          <a:fillRef idx="1">
-            <a:schemeClr val="dk1"/>
-          </a:fillRef>
-          <a:effectRef idx="0">
-            <a:schemeClr val="dk1"/>
-          </a:effectRef>
-          <a:fontRef idx="minor">
-            <a:schemeClr val="lt1"/>
-          </a:fontRef>
-        </p:style>
-        <p:txBody>
-          <a:bodyPr rtlCol="0" anchor="ctr"/>
-          <a:lstStyle/>
-          <a:p>
-            <a:pPr algn="ctr"/>
-            <a:endParaRPr lang="en-US"/>
-          </a:p>
-        </p:txBody>
-      </p:sp>
-      <p:sp>
-        <p:nvSpPr>
-          <p:cNvPr id="117" name="Oval 116"/>
-          <p:cNvSpPr/>
-          <p:nvPr/>
-        </p:nvSpPr>
-        <p:spPr>
-          <a:xfrm>
-            <a:off x="7192148" y="3601655"/>
-            <a:ext cx="45719" cy="53047"/>
-          </a:xfrm>
-          <a:prstGeom prst="ellipse">
-            <a:avLst/>
-          </a:prstGeom>
-        </p:spPr>
-        <p:style>
-          <a:lnRef idx="2">
-            <a:schemeClr val="dk1">
-              <a:shade val="50000"/>
-            </a:schemeClr>
-          </a:lnRef>
-          <a:fillRef idx="1">
-            <a:schemeClr val="dk1"/>
-          </a:fillRef>
-          <a:effectRef idx="0">
-            <a:schemeClr val="dk1"/>
-          </a:effectRef>
-          <a:fontRef idx="minor">
-            <a:schemeClr val="lt1"/>
-          </a:fontRef>
-        </p:style>
-        <p:txBody>
-          <a:bodyPr rtlCol="0" anchor="ctr"/>
-          <a:lstStyle/>
-          <a:p>
-            <a:pPr algn="ctr"/>
-            <a:endParaRPr lang="en-US"/>
-          </a:p>
-        </p:txBody>
-      </p:sp>
-      <p:sp>
-        <p:nvSpPr>
-          <p:cNvPr id="121" name="Rounded Rectangle 120"/>
-          <p:cNvSpPr/>
-          <p:nvPr/>
-        </p:nvSpPr>
-        <p:spPr>
-          <a:xfrm>
-            <a:off x="9099406" y="2765184"/>
-            <a:ext cx="1374987" cy="909584"/>
-          </a:xfrm>
-          <a:prstGeom prst="roundRect">
-            <a:avLst/>
-          </a:prstGeom>
-        </p:spPr>
-        <p:style>
-          <a:lnRef idx="1">
-            <a:schemeClr val="accent1"/>
-          </a:lnRef>
-          <a:fillRef idx="2">
-            <a:schemeClr val="accent1"/>
-          </a:fillRef>
-          <a:effectRef idx="1">
-            <a:schemeClr val="accent1"/>
-          </a:effectRef>
-          <a:fontRef idx="minor">
-            <a:schemeClr val="dk1"/>
-          </a:fontRef>
-        </p:style>
-        <p:txBody>
-          <a:bodyPr rtlCol="0" anchor="ctr"/>
-          <a:lstStyle/>
-          <a:p>
-            <a:pPr algn="ctr"/>
-            <a:endParaRPr lang="en-US"/>
-          </a:p>
-        </p:txBody>
-      </p:sp>
-      <p:sp>
-        <p:nvSpPr>
-          <p:cNvPr id="122" name="TextBox 121"/>
-          <p:cNvSpPr txBox="1"/>
-          <p:nvPr/>
-        </p:nvSpPr>
-        <p:spPr>
-          <a:xfrm>
-            <a:off x="9345191" y="3082298"/>
-            <a:ext cx="1221047" cy="261610"/>
-          </a:xfrm>
-          <a:prstGeom prst="rect">
-            <a:avLst/>
-          </a:prstGeom>
-          <a:noFill/>
-        </p:spPr>
-        <p:txBody>
-          <a:bodyPr wrap="square" rtlCol="0">
-            <a:spAutoFit/>
-          </a:bodyPr>
-          <a:lstStyle/>
-          <a:p>
-            <a:r>
-              <a:rPr lang="en-US" sz="1100" dirty="0"/>
-              <a:t>Motor torques</a:t>
-            </a:r>
-          </a:p>
-        </p:txBody>
-      </p:sp>
       <p:cxnSp>
         <p:nvCxnSpPr>
           <p:cNvPr id="124" name="Straight Connector 123"/>
@@ -5923,7 +5464,7 @@
         </p:nvCxnSpPr>
         <p:spPr>
           <a:xfrm>
-            <a:off x="5760556" y="3025740"/>
+            <a:off x="5412823" y="3257562"/>
             <a:ext cx="160808" cy="523910"/>
           </a:xfrm>
           <a:prstGeom prst="line">
@@ -5958,7 +5499,7 @@
         </p:nvCxnSpPr>
         <p:spPr>
           <a:xfrm>
-            <a:off x="5760556" y="3025740"/>
+            <a:off x="5412823" y="3257562"/>
             <a:ext cx="153755" cy="0"/>
           </a:xfrm>
           <a:prstGeom prst="line">
@@ -5993,7 +5534,7 @@
         </p:nvCxnSpPr>
         <p:spPr>
           <a:xfrm>
-            <a:off x="5767609" y="3549650"/>
+            <a:off x="5419876" y="3781472"/>
             <a:ext cx="153755" cy="0"/>
           </a:xfrm>
           <a:prstGeom prst="line">
@@ -6028,7 +5569,7 @@
         </p:nvCxnSpPr>
         <p:spPr>
           <a:xfrm flipV="1">
-            <a:off x="5774015" y="3025740"/>
+            <a:off x="5426282" y="3257562"/>
             <a:ext cx="137117" cy="523910"/>
           </a:xfrm>
           <a:prstGeom prst="line">
@@ -6063,7 +5604,7 @@
         </p:nvCxnSpPr>
         <p:spPr>
           <a:xfrm>
-            <a:off x="5764470" y="3025740"/>
+            <a:off x="5416737" y="3257562"/>
             <a:ext cx="167508" cy="161609"/>
           </a:xfrm>
           <a:prstGeom prst="line">
@@ -6098,7 +5639,7 @@
         </p:nvCxnSpPr>
         <p:spPr>
           <a:xfrm>
-            <a:off x="5758707" y="3025739"/>
+            <a:off x="5410974" y="3257561"/>
             <a:ext cx="173271" cy="335541"/>
           </a:xfrm>
           <a:prstGeom prst="line">
@@ -6133,7 +5674,7 @@
         </p:nvCxnSpPr>
         <p:spPr>
           <a:xfrm flipH="1">
-            <a:off x="5774015" y="3361280"/>
+            <a:off x="5426282" y="3593102"/>
             <a:ext cx="157963" cy="188370"/>
           </a:xfrm>
           <a:prstGeom prst="line">
@@ -6168,7 +5709,7 @@
         </p:nvCxnSpPr>
         <p:spPr>
           <a:xfrm flipH="1">
-            <a:off x="5771118" y="3187349"/>
+            <a:off x="5423385" y="3419171"/>
             <a:ext cx="164428" cy="362301"/>
           </a:xfrm>
           <a:prstGeom prst="line">
@@ -6203,7 +5744,7 @@
         </p:nvCxnSpPr>
         <p:spPr>
           <a:xfrm>
-            <a:off x="5750183" y="3187348"/>
+            <a:off x="5402450" y="3419170"/>
             <a:ext cx="171181" cy="362302"/>
           </a:xfrm>
           <a:prstGeom prst="line">
@@ -6238,7 +5779,7 @@
         </p:nvCxnSpPr>
         <p:spPr>
           <a:xfrm>
-            <a:off x="5767149" y="3361280"/>
+            <a:off x="5419416" y="3593102"/>
             <a:ext cx="149633" cy="188370"/>
           </a:xfrm>
           <a:prstGeom prst="line">
@@ -6273,7 +5814,7 @@
         </p:nvCxnSpPr>
         <p:spPr>
           <a:xfrm>
-            <a:off x="5764041" y="3361280"/>
+            <a:off x="5416308" y="3593102"/>
             <a:ext cx="163971" cy="0"/>
           </a:xfrm>
           <a:prstGeom prst="line">
@@ -6308,7 +5849,7 @@
         </p:nvCxnSpPr>
         <p:spPr>
           <a:xfrm flipV="1">
-            <a:off x="5767149" y="3187348"/>
+            <a:off x="5419416" y="3419170"/>
             <a:ext cx="164829" cy="173932"/>
           </a:xfrm>
           <a:prstGeom prst="line">
@@ -6343,7 +5884,7 @@
         </p:nvCxnSpPr>
         <p:spPr>
           <a:xfrm flipV="1">
-            <a:off x="5763731" y="3025738"/>
+            <a:off x="5415998" y="3257560"/>
             <a:ext cx="147066" cy="334206"/>
           </a:xfrm>
           <a:prstGeom prst="line">
@@ -6378,7 +5919,7 @@
         </p:nvCxnSpPr>
         <p:spPr>
           <a:xfrm flipV="1">
-            <a:off x="5746217" y="3020245"/>
+            <a:off x="5398484" y="3252067"/>
             <a:ext cx="166118" cy="167102"/>
           </a:xfrm>
           <a:prstGeom prst="line">
@@ -6413,7 +5954,7 @@
         </p:nvCxnSpPr>
         <p:spPr>
           <a:xfrm>
-            <a:off x="5749942" y="3183545"/>
+            <a:off x="5402209" y="3415367"/>
             <a:ext cx="186005" cy="6550"/>
           </a:xfrm>
           <a:prstGeom prst="line">
@@ -6448,7 +5989,7 @@
         </p:nvCxnSpPr>
         <p:spPr>
           <a:xfrm>
-            <a:off x="7747727" y="3020245"/>
+            <a:off x="8198485" y="3252067"/>
             <a:ext cx="160808" cy="523910"/>
           </a:xfrm>
           <a:prstGeom prst="line">
@@ -6483,7 +6024,7 @@
         </p:nvCxnSpPr>
         <p:spPr>
           <a:xfrm>
-            <a:off x="7747727" y="3020245"/>
+            <a:off x="8198485" y="3252067"/>
             <a:ext cx="153755" cy="0"/>
           </a:xfrm>
           <a:prstGeom prst="line">
@@ -6518,7 +6059,7 @@
         </p:nvCxnSpPr>
         <p:spPr>
           <a:xfrm>
-            <a:off x="7754780" y="3544155"/>
+            <a:off x="8205538" y="3775977"/>
             <a:ext cx="153755" cy="0"/>
           </a:xfrm>
           <a:prstGeom prst="line">
@@ -6553,7 +6094,7 @@
         </p:nvCxnSpPr>
         <p:spPr>
           <a:xfrm flipV="1">
-            <a:off x="7761186" y="3020245"/>
+            <a:off x="8211944" y="3252067"/>
             <a:ext cx="137117" cy="523910"/>
           </a:xfrm>
           <a:prstGeom prst="line">
@@ -6588,7 +6129,7 @@
         </p:nvCxnSpPr>
         <p:spPr>
           <a:xfrm>
-            <a:off x="7751641" y="3020245"/>
+            <a:off x="8202399" y="3252067"/>
             <a:ext cx="167508" cy="161609"/>
           </a:xfrm>
           <a:prstGeom prst="line">
@@ -6623,7 +6164,7 @@
         </p:nvCxnSpPr>
         <p:spPr>
           <a:xfrm>
-            <a:off x="7745878" y="3020244"/>
+            <a:off x="8196636" y="3252066"/>
             <a:ext cx="173271" cy="335541"/>
           </a:xfrm>
           <a:prstGeom prst="line">
@@ -6658,7 +6199,7 @@
         </p:nvCxnSpPr>
         <p:spPr>
           <a:xfrm flipH="1">
-            <a:off x="7761186" y="3355785"/>
+            <a:off x="8211944" y="3587607"/>
             <a:ext cx="157963" cy="188370"/>
           </a:xfrm>
           <a:prstGeom prst="line">
@@ -6693,7 +6234,7 @@
         </p:nvCxnSpPr>
         <p:spPr>
           <a:xfrm flipH="1">
-            <a:off x="7758289" y="3181854"/>
+            <a:off x="8209047" y="3413676"/>
             <a:ext cx="164428" cy="362301"/>
           </a:xfrm>
           <a:prstGeom prst="line">
@@ -6728,7 +6269,7 @@
         </p:nvCxnSpPr>
         <p:spPr>
           <a:xfrm>
-            <a:off x="7737354" y="3181853"/>
+            <a:off x="8188112" y="3413675"/>
             <a:ext cx="171181" cy="362302"/>
           </a:xfrm>
           <a:prstGeom prst="line">
@@ -6763,7 +6304,7 @@
         </p:nvCxnSpPr>
         <p:spPr>
           <a:xfrm>
-            <a:off x="7754320" y="3355785"/>
+            <a:off x="8205078" y="3587607"/>
             <a:ext cx="149633" cy="188370"/>
           </a:xfrm>
           <a:prstGeom prst="line">
@@ -6798,7 +6339,7 @@
         </p:nvCxnSpPr>
         <p:spPr>
           <a:xfrm>
-            <a:off x="7751212" y="3355785"/>
+            <a:off x="8201970" y="3587607"/>
             <a:ext cx="163971" cy="0"/>
           </a:xfrm>
           <a:prstGeom prst="line">
@@ -6833,7 +6374,7 @@
         </p:nvCxnSpPr>
         <p:spPr>
           <a:xfrm flipV="1">
-            <a:off x="7754320" y="3181853"/>
+            <a:off x="8205078" y="3413675"/>
             <a:ext cx="164829" cy="173932"/>
           </a:xfrm>
           <a:prstGeom prst="line">
@@ -6868,7 +6409,7 @@
         </p:nvCxnSpPr>
         <p:spPr>
           <a:xfrm flipV="1">
-            <a:off x="7750902" y="3020243"/>
+            <a:off x="8201660" y="3252065"/>
             <a:ext cx="147066" cy="334206"/>
           </a:xfrm>
           <a:prstGeom prst="line">
@@ -6903,7 +6444,7 @@
         </p:nvCxnSpPr>
         <p:spPr>
           <a:xfrm flipV="1">
-            <a:off x="7733388" y="3014750"/>
+            <a:off x="8184146" y="3246572"/>
             <a:ext cx="166118" cy="167102"/>
           </a:xfrm>
           <a:prstGeom prst="line">
@@ -6938,7 +6479,7 @@
         </p:nvCxnSpPr>
         <p:spPr>
           <a:xfrm>
-            <a:off x="7737113" y="3178050"/>
+            <a:off x="8187871" y="3409872"/>
             <a:ext cx="186005" cy="6550"/>
           </a:xfrm>
           <a:prstGeom prst="line">
@@ -6965,6 +6506,630 @@
           </a:fontRef>
         </p:style>
       </p:cxnSp>
+      <p:sp>
+        <p:nvSpPr>
+          <p:cNvPr id="118" name="Rounded Rectangle 117"/>
+          <p:cNvSpPr/>
+          <p:nvPr/>
+        </p:nvSpPr>
+        <p:spPr>
+          <a:xfrm>
+            <a:off x="3098976" y="3119755"/>
+            <a:ext cx="1097280" cy="731520"/>
+          </a:xfrm>
+          <a:prstGeom prst="roundRect">
+            <a:avLst/>
+          </a:prstGeom>
+        </p:spPr>
+        <p:style>
+          <a:lnRef idx="1">
+            <a:schemeClr val="accent1"/>
+          </a:lnRef>
+          <a:fillRef idx="2">
+            <a:schemeClr val="accent1"/>
+          </a:fillRef>
+          <a:effectRef idx="1">
+            <a:schemeClr val="accent1"/>
+          </a:effectRef>
+          <a:fontRef idx="minor">
+            <a:schemeClr val="dk1"/>
+          </a:fontRef>
+        </p:style>
+        <p:txBody>
+          <a:bodyPr rtlCol="0" anchor="ctr"/>
+          <a:lstStyle/>
+          <a:p>
+            <a:pPr algn="ctr"/>
+            <a:r>
+              <a:rPr lang="en-US" sz="1200" dirty="0" smtClean="0"/>
+              <a:t>Observation</a:t>
+            </a:r>
+            <a:endParaRPr lang="en-US" sz="1200" dirty="0"/>
+          </a:p>
+        </p:txBody>
+      </p:sp>
+      <p:sp>
+        <p:nvSpPr>
+          <p:cNvPr id="120" name="Rounded Rectangle 119"/>
+          <p:cNvSpPr/>
+          <p:nvPr/>
+        </p:nvSpPr>
+        <p:spPr>
+          <a:xfrm>
+            <a:off x="9540483" y="3090475"/>
+            <a:ext cx="1097280" cy="731520"/>
+          </a:xfrm>
+          <a:prstGeom prst="roundRect">
+            <a:avLst/>
+          </a:prstGeom>
+        </p:spPr>
+        <p:style>
+          <a:lnRef idx="1">
+            <a:schemeClr val="accent1"/>
+          </a:lnRef>
+          <a:fillRef idx="2">
+            <a:schemeClr val="accent1"/>
+          </a:fillRef>
+          <a:effectRef idx="1">
+            <a:schemeClr val="accent1"/>
+          </a:effectRef>
+          <a:fontRef idx="minor">
+            <a:schemeClr val="dk1"/>
+          </a:fontRef>
+        </p:style>
+        <p:txBody>
+          <a:bodyPr rtlCol="0" anchor="ctr"/>
+          <a:lstStyle/>
+          <a:p>
+            <a:pPr algn="ctr"/>
+            <a:r>
+              <a:rPr lang="en-US" sz="1200" dirty="0"/>
+              <a:t>Motor torques</a:t>
+            </a:r>
+            <a:endParaRPr lang="en-US" sz="1200" dirty="0"/>
+          </a:p>
+        </p:txBody>
+      </p:sp>
+      <p:sp>
+        <p:nvSpPr>
+          <p:cNvPr id="128" name="Oval 127"/>
+          <p:cNvSpPr/>
+          <p:nvPr/>
+        </p:nvSpPr>
+        <p:spPr>
+          <a:xfrm>
+            <a:off x="7072344" y="3121133"/>
+            <a:ext cx="45719" cy="53047"/>
+          </a:xfrm>
+          <a:prstGeom prst="ellipse">
+            <a:avLst/>
+          </a:prstGeom>
+        </p:spPr>
+        <p:style>
+          <a:lnRef idx="2">
+            <a:schemeClr val="dk1">
+              <a:shade val="50000"/>
+            </a:schemeClr>
+          </a:lnRef>
+          <a:fillRef idx="1">
+            <a:schemeClr val="dk1"/>
+          </a:fillRef>
+          <a:effectRef idx="0">
+            <a:schemeClr val="dk1"/>
+          </a:effectRef>
+          <a:fontRef idx="minor">
+            <a:schemeClr val="lt1"/>
+          </a:fontRef>
+        </p:style>
+        <p:txBody>
+          <a:bodyPr rtlCol="0" anchor="ctr"/>
+          <a:lstStyle/>
+          <a:p>
+            <a:pPr algn="ctr"/>
+            <a:endParaRPr lang="en-US"/>
+          </a:p>
+        </p:txBody>
+      </p:sp>
+      <p:sp>
+        <p:nvSpPr>
+          <p:cNvPr id="130" name="Oval 129"/>
+          <p:cNvSpPr/>
+          <p:nvPr/>
+        </p:nvSpPr>
+        <p:spPr>
+          <a:xfrm>
+            <a:off x="7229084" y="3121131"/>
+            <a:ext cx="45719" cy="53047"/>
+          </a:xfrm>
+          <a:prstGeom prst="ellipse">
+            <a:avLst/>
+          </a:prstGeom>
+        </p:spPr>
+        <p:style>
+          <a:lnRef idx="2">
+            <a:schemeClr val="dk1">
+              <a:shade val="50000"/>
+            </a:schemeClr>
+          </a:lnRef>
+          <a:fillRef idx="1">
+            <a:schemeClr val="dk1"/>
+          </a:fillRef>
+          <a:effectRef idx="0">
+            <a:schemeClr val="dk1"/>
+          </a:effectRef>
+          <a:fontRef idx="minor">
+            <a:schemeClr val="lt1"/>
+          </a:fontRef>
+        </p:style>
+        <p:txBody>
+          <a:bodyPr rtlCol="0" anchor="ctr"/>
+          <a:lstStyle/>
+          <a:p>
+            <a:pPr algn="ctr"/>
+            <a:endParaRPr lang="en-US"/>
+          </a:p>
+        </p:txBody>
+      </p:sp>
+      <p:sp>
+        <p:nvSpPr>
+          <p:cNvPr id="132" name="Oval 131"/>
+          <p:cNvSpPr/>
+          <p:nvPr/>
+        </p:nvSpPr>
+        <p:spPr>
+          <a:xfrm>
+            <a:off x="7379142" y="3121133"/>
+            <a:ext cx="45719" cy="53047"/>
+          </a:xfrm>
+          <a:prstGeom prst="ellipse">
+            <a:avLst/>
+          </a:prstGeom>
+        </p:spPr>
+        <p:style>
+          <a:lnRef idx="2">
+            <a:schemeClr val="dk1">
+              <a:shade val="50000"/>
+            </a:schemeClr>
+          </a:lnRef>
+          <a:fillRef idx="1">
+            <a:schemeClr val="dk1"/>
+          </a:fillRef>
+          <a:effectRef idx="0">
+            <a:schemeClr val="dk1"/>
+          </a:effectRef>
+          <a:fontRef idx="minor">
+            <a:schemeClr val="lt1"/>
+          </a:fontRef>
+        </p:style>
+        <p:txBody>
+          <a:bodyPr rtlCol="0" anchor="ctr"/>
+          <a:lstStyle/>
+          <a:p>
+            <a:pPr algn="ctr"/>
+            <a:endParaRPr lang="en-US"/>
+          </a:p>
+        </p:txBody>
+      </p:sp>
+      <p:sp>
+        <p:nvSpPr>
+          <p:cNvPr id="134" name="Oval 133"/>
+          <p:cNvSpPr/>
+          <p:nvPr/>
+        </p:nvSpPr>
+        <p:spPr>
+          <a:xfrm>
+            <a:off x="7525504" y="3121133"/>
+            <a:ext cx="45719" cy="53047"/>
+          </a:xfrm>
+          <a:prstGeom prst="ellipse">
+            <a:avLst/>
+          </a:prstGeom>
+        </p:spPr>
+        <p:style>
+          <a:lnRef idx="2">
+            <a:schemeClr val="dk1">
+              <a:shade val="50000"/>
+            </a:schemeClr>
+          </a:lnRef>
+          <a:fillRef idx="1">
+            <a:schemeClr val="dk1"/>
+          </a:fillRef>
+          <a:effectRef idx="0">
+            <a:schemeClr val="dk1"/>
+          </a:effectRef>
+          <a:fontRef idx="minor">
+            <a:schemeClr val="lt1"/>
+          </a:fontRef>
+        </p:style>
+        <p:txBody>
+          <a:bodyPr rtlCol="0" anchor="ctr"/>
+          <a:lstStyle/>
+          <a:p>
+            <a:pPr algn="ctr"/>
+            <a:endParaRPr lang="en-US"/>
+          </a:p>
+        </p:txBody>
+      </p:sp>
+      <p:sp>
+        <p:nvSpPr>
+          <p:cNvPr id="136" name="Oval 135"/>
+          <p:cNvSpPr/>
+          <p:nvPr/>
+        </p:nvSpPr>
+        <p:spPr>
+          <a:xfrm>
+            <a:off x="7072344" y="3475589"/>
+            <a:ext cx="45719" cy="53047"/>
+          </a:xfrm>
+          <a:prstGeom prst="ellipse">
+            <a:avLst/>
+          </a:prstGeom>
+        </p:spPr>
+        <p:style>
+          <a:lnRef idx="2">
+            <a:schemeClr val="dk1">
+              <a:shade val="50000"/>
+            </a:schemeClr>
+          </a:lnRef>
+          <a:fillRef idx="1">
+            <a:schemeClr val="dk1"/>
+          </a:fillRef>
+          <a:effectRef idx="0">
+            <a:schemeClr val="dk1"/>
+          </a:effectRef>
+          <a:fontRef idx="minor">
+            <a:schemeClr val="lt1"/>
+          </a:fontRef>
+        </p:style>
+        <p:txBody>
+          <a:bodyPr rtlCol="0" anchor="ctr"/>
+          <a:lstStyle/>
+          <a:p>
+            <a:pPr algn="ctr"/>
+            <a:endParaRPr lang="en-US"/>
+          </a:p>
+        </p:txBody>
+      </p:sp>
+      <p:sp>
+        <p:nvSpPr>
+          <p:cNvPr id="137" name="Oval 136"/>
+          <p:cNvSpPr/>
+          <p:nvPr/>
+        </p:nvSpPr>
+        <p:spPr>
+          <a:xfrm>
+            <a:off x="7229084" y="3475587"/>
+            <a:ext cx="45719" cy="53047"/>
+          </a:xfrm>
+          <a:prstGeom prst="ellipse">
+            <a:avLst/>
+          </a:prstGeom>
+        </p:spPr>
+        <p:style>
+          <a:lnRef idx="2">
+            <a:schemeClr val="dk1">
+              <a:shade val="50000"/>
+            </a:schemeClr>
+          </a:lnRef>
+          <a:fillRef idx="1">
+            <a:schemeClr val="dk1"/>
+          </a:fillRef>
+          <a:effectRef idx="0">
+            <a:schemeClr val="dk1"/>
+          </a:effectRef>
+          <a:fontRef idx="minor">
+            <a:schemeClr val="lt1"/>
+          </a:fontRef>
+        </p:style>
+        <p:txBody>
+          <a:bodyPr rtlCol="0" anchor="ctr"/>
+          <a:lstStyle/>
+          <a:p>
+            <a:pPr algn="ctr"/>
+            <a:endParaRPr lang="en-US"/>
+          </a:p>
+        </p:txBody>
+      </p:sp>
+      <p:sp>
+        <p:nvSpPr>
+          <p:cNvPr id="139" name="Oval 138"/>
+          <p:cNvSpPr/>
+          <p:nvPr/>
+        </p:nvSpPr>
+        <p:spPr>
+          <a:xfrm>
+            <a:off x="7379142" y="3475589"/>
+            <a:ext cx="45719" cy="53047"/>
+          </a:xfrm>
+          <a:prstGeom prst="ellipse">
+            <a:avLst/>
+          </a:prstGeom>
+        </p:spPr>
+        <p:style>
+          <a:lnRef idx="2">
+            <a:schemeClr val="dk1">
+              <a:shade val="50000"/>
+            </a:schemeClr>
+          </a:lnRef>
+          <a:fillRef idx="1">
+            <a:schemeClr val="dk1"/>
+          </a:fillRef>
+          <a:effectRef idx="0">
+            <a:schemeClr val="dk1"/>
+          </a:effectRef>
+          <a:fontRef idx="minor">
+            <a:schemeClr val="lt1"/>
+          </a:fontRef>
+        </p:style>
+        <p:txBody>
+          <a:bodyPr rtlCol="0" anchor="ctr"/>
+          <a:lstStyle/>
+          <a:p>
+            <a:pPr algn="ctr"/>
+            <a:endParaRPr lang="en-US"/>
+          </a:p>
+        </p:txBody>
+      </p:sp>
+      <p:sp>
+        <p:nvSpPr>
+          <p:cNvPr id="141" name="Oval 140"/>
+          <p:cNvSpPr/>
+          <p:nvPr/>
+        </p:nvSpPr>
+        <p:spPr>
+          <a:xfrm>
+            <a:off x="7525504" y="3475589"/>
+            <a:ext cx="45719" cy="53047"/>
+          </a:xfrm>
+          <a:prstGeom prst="ellipse">
+            <a:avLst/>
+          </a:prstGeom>
+        </p:spPr>
+        <p:style>
+          <a:lnRef idx="2">
+            <a:schemeClr val="dk1">
+              <a:shade val="50000"/>
+            </a:schemeClr>
+          </a:lnRef>
+          <a:fillRef idx="1">
+            <a:schemeClr val="dk1"/>
+          </a:fillRef>
+          <a:effectRef idx="0">
+            <a:schemeClr val="dk1"/>
+          </a:effectRef>
+          <a:fontRef idx="minor">
+            <a:schemeClr val="lt1"/>
+          </a:fontRef>
+        </p:style>
+        <p:txBody>
+          <a:bodyPr rtlCol="0" anchor="ctr"/>
+          <a:lstStyle/>
+          <a:p>
+            <a:pPr algn="ctr"/>
+            <a:endParaRPr lang="en-US"/>
+          </a:p>
+        </p:txBody>
+      </p:sp>
+      <p:sp>
+        <p:nvSpPr>
+          <p:cNvPr id="144" name="Oval 143"/>
+          <p:cNvSpPr/>
+          <p:nvPr/>
+        </p:nvSpPr>
+        <p:spPr>
+          <a:xfrm>
+            <a:off x="7072478" y="3831331"/>
+            <a:ext cx="45719" cy="53047"/>
+          </a:xfrm>
+          <a:prstGeom prst="ellipse">
+            <a:avLst/>
+          </a:prstGeom>
+        </p:spPr>
+        <p:style>
+          <a:lnRef idx="2">
+            <a:schemeClr val="dk1">
+              <a:shade val="50000"/>
+            </a:schemeClr>
+          </a:lnRef>
+          <a:fillRef idx="1">
+            <a:schemeClr val="dk1"/>
+          </a:fillRef>
+          <a:effectRef idx="0">
+            <a:schemeClr val="dk1"/>
+          </a:effectRef>
+          <a:fontRef idx="minor">
+            <a:schemeClr val="lt1"/>
+          </a:fontRef>
+        </p:style>
+        <p:txBody>
+          <a:bodyPr rtlCol="0" anchor="ctr"/>
+          <a:lstStyle/>
+          <a:p>
+            <a:pPr algn="ctr"/>
+            <a:endParaRPr lang="en-US"/>
+          </a:p>
+        </p:txBody>
+      </p:sp>
+      <p:sp>
+        <p:nvSpPr>
+          <p:cNvPr id="145" name="Oval 144"/>
+          <p:cNvSpPr/>
+          <p:nvPr/>
+        </p:nvSpPr>
+        <p:spPr>
+          <a:xfrm>
+            <a:off x="7229218" y="3831329"/>
+            <a:ext cx="45719" cy="53047"/>
+          </a:xfrm>
+          <a:prstGeom prst="ellipse">
+            <a:avLst/>
+          </a:prstGeom>
+        </p:spPr>
+        <p:style>
+          <a:lnRef idx="2">
+            <a:schemeClr val="dk1">
+              <a:shade val="50000"/>
+            </a:schemeClr>
+          </a:lnRef>
+          <a:fillRef idx="1">
+            <a:schemeClr val="dk1"/>
+          </a:fillRef>
+          <a:effectRef idx="0">
+            <a:schemeClr val="dk1"/>
+          </a:effectRef>
+          <a:fontRef idx="minor">
+            <a:schemeClr val="lt1"/>
+          </a:fontRef>
+        </p:style>
+        <p:txBody>
+          <a:bodyPr rtlCol="0" anchor="ctr"/>
+          <a:lstStyle/>
+          <a:p>
+            <a:pPr algn="ctr"/>
+            <a:endParaRPr lang="en-US"/>
+          </a:p>
+        </p:txBody>
+      </p:sp>
+      <p:sp>
+        <p:nvSpPr>
+          <p:cNvPr id="147" name="Oval 146"/>
+          <p:cNvSpPr/>
+          <p:nvPr/>
+        </p:nvSpPr>
+        <p:spPr>
+          <a:xfrm>
+            <a:off x="7379276" y="3831331"/>
+            <a:ext cx="45719" cy="53047"/>
+          </a:xfrm>
+          <a:prstGeom prst="ellipse">
+            <a:avLst/>
+          </a:prstGeom>
+        </p:spPr>
+        <p:style>
+          <a:lnRef idx="2">
+            <a:schemeClr val="dk1">
+              <a:shade val="50000"/>
+            </a:schemeClr>
+          </a:lnRef>
+          <a:fillRef idx="1">
+            <a:schemeClr val="dk1"/>
+          </a:fillRef>
+          <a:effectRef idx="0">
+            <a:schemeClr val="dk1"/>
+          </a:effectRef>
+          <a:fontRef idx="minor">
+            <a:schemeClr val="lt1"/>
+          </a:fontRef>
+        </p:style>
+        <p:txBody>
+          <a:bodyPr rtlCol="0" anchor="ctr"/>
+          <a:lstStyle/>
+          <a:p>
+            <a:pPr algn="ctr"/>
+            <a:endParaRPr lang="en-US"/>
+          </a:p>
+        </p:txBody>
+      </p:sp>
+      <p:sp>
+        <p:nvSpPr>
+          <p:cNvPr id="148" name="Oval 147"/>
+          <p:cNvSpPr/>
+          <p:nvPr/>
+        </p:nvSpPr>
+        <p:spPr>
+          <a:xfrm>
+            <a:off x="7525638" y="3831331"/>
+            <a:ext cx="45719" cy="53047"/>
+          </a:xfrm>
+          <a:prstGeom prst="ellipse">
+            <a:avLst/>
+          </a:prstGeom>
+        </p:spPr>
+        <p:style>
+          <a:lnRef idx="2">
+            <a:schemeClr val="dk1">
+              <a:shade val="50000"/>
+            </a:schemeClr>
+          </a:lnRef>
+          <a:fillRef idx="1">
+            <a:schemeClr val="dk1"/>
+          </a:fillRef>
+          <a:effectRef idx="0">
+            <a:schemeClr val="dk1"/>
+          </a:effectRef>
+          <a:fontRef idx="minor">
+            <a:schemeClr val="lt1"/>
+          </a:fontRef>
+        </p:style>
+        <p:txBody>
+          <a:bodyPr rtlCol="0" anchor="ctr"/>
+          <a:lstStyle/>
+          <a:p>
+            <a:pPr algn="ctr"/>
+            <a:endParaRPr lang="en-US"/>
+          </a:p>
+        </p:txBody>
+      </p:sp>
+      <p:sp>
+        <p:nvSpPr>
+          <p:cNvPr id="18" name="TextBox 17"/>
+          <p:cNvSpPr txBox="1"/>
+          <p:nvPr/>
+        </p:nvSpPr>
+        <p:spPr>
+          <a:xfrm>
+            <a:off x="5137991" y="2380650"/>
+            <a:ext cx="3392532" cy="338554"/>
+          </a:xfrm>
+          <a:prstGeom prst="rect">
+            <a:avLst/>
+          </a:prstGeom>
+          <a:noFill/>
+        </p:spPr>
+        <p:txBody>
+          <a:bodyPr wrap="none" rtlCol="0">
+            <a:spAutoFit/>
+          </a:bodyPr>
+          <a:lstStyle/>
+          <a:p>
+            <a:r>
+              <a:rPr lang="en-US" sz="1600" dirty="0" smtClean="0"/>
+              <a:t>(a) Standard robotics control approach</a:t>
+            </a:r>
+            <a:endParaRPr lang="en-US" sz="1600" dirty="0"/>
+          </a:p>
+        </p:txBody>
+      </p:sp>
+      <p:sp>
+        <p:nvSpPr>
+          <p:cNvPr id="150" name="TextBox 149"/>
+          <p:cNvSpPr txBox="1"/>
+          <p:nvPr/>
+        </p:nvSpPr>
+        <p:spPr>
+          <a:xfrm>
+            <a:off x="5137991" y="4025306"/>
+            <a:ext cx="3415807" cy="338554"/>
+          </a:xfrm>
+          <a:prstGeom prst="rect">
+            <a:avLst/>
+          </a:prstGeom>
+          <a:noFill/>
+        </p:spPr>
+        <p:txBody>
+          <a:bodyPr wrap="none" rtlCol="0">
+            <a:spAutoFit/>
+          </a:bodyPr>
+          <a:lstStyle/>
+          <a:p>
+            <a:r>
+              <a:rPr lang="en-US" sz="1600" dirty="0" smtClean="0"/>
+              <a:t>(b) End-to-end deep learning approach</a:t>
+            </a:r>
+            <a:endParaRPr lang="en-US" sz="1600" dirty="0"/>
+          </a:p>
+        </p:txBody>
+      </p:sp>
     </p:spTree>
     <p:extLst>
       <p:ext uri="{BB962C8B-B14F-4D97-AF65-F5344CB8AC3E}">

--- a/paper/figs/endtoend_redrawn.pptx
+++ b/paper/figs/endtoend_redrawn.pptx
@@ -2956,8 +2956,8 @@
         </p:nvSpPr>
         <p:spPr>
           <a:xfrm>
-            <a:off x="3097427" y="1598141"/>
-            <a:ext cx="1097280" cy="731520"/>
+            <a:off x="3000777" y="1598141"/>
+            <a:ext cx="1193929" cy="731520"/>
           </a:xfrm>
           <a:prstGeom prst="roundRect">
             <a:avLst/>
@@ -2983,10 +2983,10 @@
           <a:p>
             <a:pPr algn="ctr"/>
             <a:r>
-              <a:rPr lang="en-US" sz="1200" dirty="0" smtClean="0"/>
+              <a:rPr lang="en-US" sz="1400" dirty="0" smtClean="0"/>
               <a:t>Observation</a:t>
             </a:r>
-            <a:endParaRPr lang="en-US" sz="1200" dirty="0"/>
+            <a:endParaRPr lang="en-US" sz="1400" dirty="0"/>
           </a:p>
         </p:txBody>
       </p:sp>
@@ -3025,10 +3025,10 @@
           <a:p>
             <a:pPr algn="ctr"/>
             <a:r>
-              <a:rPr lang="en-US" sz="1200" dirty="0" smtClean="0"/>
+              <a:rPr lang="en-US" sz="1400" dirty="0" smtClean="0"/>
               <a:t>Modeling &amp; prediction</a:t>
             </a:r>
-            <a:endParaRPr lang="en-US" sz="1200" dirty="0"/>
+            <a:endParaRPr lang="en-US" sz="1400" dirty="0"/>
           </a:p>
         </p:txBody>
       </p:sp>
@@ -3067,10 +3067,10 @@
           <a:p>
             <a:pPr algn="ctr"/>
             <a:r>
-              <a:rPr lang="en-US" sz="1200" dirty="0" smtClean="0"/>
+              <a:rPr lang="en-US" sz="1400" dirty="0" smtClean="0"/>
               <a:t>Motion planning</a:t>
             </a:r>
-            <a:endParaRPr lang="en-US" sz="1200" dirty="0"/>
+            <a:endParaRPr lang="en-US" sz="1400" dirty="0"/>
           </a:p>
         </p:txBody>
       </p:sp>
@@ -3109,10 +3109,10 @@
           <a:p>
             <a:pPr algn="ctr"/>
             <a:r>
-              <a:rPr lang="en-US" sz="1200" dirty="0" smtClean="0"/>
+              <a:rPr lang="en-US" sz="1400" dirty="0" smtClean="0"/>
               <a:t>State estimation</a:t>
             </a:r>
-            <a:endParaRPr lang="en-US" sz="1200" dirty="0"/>
+            <a:endParaRPr lang="en-US" sz="1400" dirty="0"/>
           </a:p>
         </p:txBody>
       </p:sp>
@@ -3151,14 +3151,14 @@
           <a:p>
             <a:pPr algn="ctr"/>
             <a:r>
-              <a:rPr lang="en-US" sz="1200" dirty="0"/>
+              <a:rPr lang="en-US" sz="1400" dirty="0"/>
               <a:t>Low-level controller (e.g. PD</a:t>
             </a:r>
             <a:r>
-              <a:rPr lang="en-US" sz="1200" dirty="0" smtClean="0"/>
+              <a:rPr lang="en-US" sz="1400" dirty="0" smtClean="0"/>
               <a:t>)</a:t>
             </a:r>
-            <a:endParaRPr lang="en-US" sz="1200" dirty="0"/>
+            <a:endParaRPr lang="en-US" sz="1400" dirty="0"/>
           </a:p>
         </p:txBody>
       </p:sp>
@@ -3197,14 +3197,14 @@
           <a:p>
             <a:pPr algn="ctr"/>
             <a:r>
-              <a:rPr lang="en-US" sz="1200" dirty="0"/>
+              <a:rPr lang="en-US" sz="1400" dirty="0"/>
               <a:t>Motor </a:t>
             </a:r>
             <a:r>
-              <a:rPr lang="en-US" sz="1200" dirty="0" smtClean="0"/>
+              <a:rPr lang="en-US" sz="1400" dirty="0" smtClean="0"/>
               <a:t>torques</a:t>
             </a:r>
-            <a:endParaRPr lang="en-US" sz="1400" dirty="0"/>
+            <a:endParaRPr lang="en-US" sz="1600" dirty="0"/>
           </a:p>
         </p:txBody>
       </p:sp>
@@ -3244,7 +3244,7 @@
           <a:lstStyle/>
           <a:p>
             <a:pPr algn="ctr"/>
-            <a:endParaRPr lang="en-US"/>
+            <a:endParaRPr lang="en-US" sz="2000"/>
           </a:p>
         </p:txBody>
       </p:sp>
@@ -3284,7 +3284,7 @@
           <a:lstStyle/>
           <a:p>
             <a:pPr algn="ctr"/>
-            <a:endParaRPr lang="en-US"/>
+            <a:endParaRPr lang="en-US" sz="2000"/>
           </a:p>
         </p:txBody>
       </p:sp>
@@ -3324,7 +3324,7 @@
           <a:lstStyle/>
           <a:p>
             <a:pPr algn="ctr"/>
-            <a:endParaRPr lang="en-US"/>
+            <a:endParaRPr lang="en-US" sz="2000"/>
           </a:p>
         </p:txBody>
       </p:sp>
@@ -3364,7 +3364,7 @@
           <a:lstStyle/>
           <a:p>
             <a:pPr algn="ctr"/>
-            <a:endParaRPr lang="en-US"/>
+            <a:endParaRPr lang="en-US" sz="2000"/>
           </a:p>
         </p:txBody>
       </p:sp>
@@ -3404,7 +3404,7 @@
           <a:lstStyle/>
           <a:p>
             <a:pPr algn="ctr"/>
-            <a:endParaRPr lang="en-US"/>
+            <a:endParaRPr lang="en-US" sz="2000"/>
           </a:p>
         </p:txBody>
       </p:sp>
@@ -3444,7 +3444,7 @@
           <a:lstStyle/>
           <a:p>
             <a:pPr algn="ctr"/>
-            <a:endParaRPr lang="en-US"/>
+            <a:endParaRPr lang="en-US" sz="2000"/>
           </a:p>
         </p:txBody>
       </p:sp>
@@ -3484,7 +3484,7 @@
           <a:lstStyle/>
           <a:p>
             <a:pPr algn="ctr"/>
-            <a:endParaRPr lang="en-US"/>
+            <a:endParaRPr lang="en-US" sz="2000"/>
           </a:p>
         </p:txBody>
       </p:sp>
@@ -3522,7 +3522,7 @@
           <a:lstStyle/>
           <a:p>
             <a:pPr algn="ctr"/>
-            <a:endParaRPr lang="en-US"/>
+            <a:endParaRPr lang="en-US" sz="2000"/>
           </a:p>
         </p:txBody>
       </p:sp>
@@ -3560,7 +3560,7 @@
           <a:lstStyle/>
           <a:p>
             <a:pPr algn="ctr"/>
-            <a:endParaRPr lang="en-US"/>
+            <a:endParaRPr lang="en-US" sz="2000"/>
           </a:p>
         </p:txBody>
       </p:sp>
@@ -3634,7 +3634,7 @@
           <a:lstStyle/>
           <a:p>
             <a:pPr algn="ctr"/>
-            <a:endParaRPr lang="en-US"/>
+            <a:endParaRPr lang="en-US" sz="2000"/>
           </a:p>
         </p:txBody>
       </p:sp>
@@ -3674,7 +3674,7 @@
           <a:lstStyle/>
           <a:p>
             <a:pPr algn="ctr"/>
-            <a:endParaRPr lang="en-US"/>
+            <a:endParaRPr lang="en-US" sz="2000"/>
           </a:p>
         </p:txBody>
       </p:sp>
@@ -3714,7 +3714,7 @@
           <a:lstStyle/>
           <a:p>
             <a:pPr algn="ctr"/>
-            <a:endParaRPr lang="en-US"/>
+            <a:endParaRPr lang="en-US" sz="2000"/>
           </a:p>
         </p:txBody>
       </p:sp>
@@ -3754,7 +3754,7 @@
           <a:lstStyle/>
           <a:p>
             <a:pPr algn="ctr"/>
-            <a:endParaRPr lang="en-US"/>
+            <a:endParaRPr lang="en-US" sz="2000"/>
           </a:p>
         </p:txBody>
       </p:sp>
@@ -3792,7 +3792,7 @@
           <a:lstStyle/>
           <a:p>
             <a:pPr algn="ctr"/>
-            <a:endParaRPr lang="en-US"/>
+            <a:endParaRPr lang="en-US" sz="2000"/>
           </a:p>
         </p:txBody>
       </p:sp>
@@ -3805,7 +3805,7 @@
         <p:spPr>
           <a:xfrm>
             <a:off x="5022826" y="3721651"/>
-            <a:ext cx="306189" cy="230832"/>
+            <a:ext cx="306189" cy="246221"/>
           </a:xfrm>
           <a:prstGeom prst="rect">
             <a:avLst/>
@@ -3819,14 +3819,14 @@
           <a:lstStyle/>
           <a:p>
             <a:r>
-              <a:rPr lang="en-US" sz="900" dirty="0"/>
+              <a:rPr lang="en-US" sz="1000" dirty="0"/>
               <a:t>O</a:t>
             </a:r>
             <a:r>
-              <a:rPr lang="en-US" sz="900" baseline="-25000" dirty="0"/>
+              <a:rPr lang="en-US" sz="1000" baseline="-25000" dirty="0"/>
               <a:t>k</a:t>
             </a:r>
-            <a:endParaRPr lang="en-US" sz="900" dirty="0"/>
+            <a:endParaRPr lang="en-US" sz="1000" dirty="0"/>
           </a:p>
         </p:txBody>
       </p:sp>
@@ -3864,7 +3864,7 @@
           <a:lstStyle/>
           <a:p>
             <a:pPr algn="ctr"/>
-            <a:endParaRPr lang="en-US"/>
+            <a:endParaRPr lang="en-US" sz="2000"/>
           </a:p>
         </p:txBody>
       </p:sp>
@@ -3902,7 +3902,7 @@
           <a:lstStyle/>
           <a:p>
             <a:pPr algn="ctr"/>
-            <a:endParaRPr lang="en-US"/>
+            <a:endParaRPr lang="en-US" sz="2000"/>
           </a:p>
         </p:txBody>
       </p:sp>
@@ -3915,7 +3915,7 @@
         <p:spPr>
           <a:xfrm>
             <a:off x="5714046" y="3040648"/>
-            <a:ext cx="306189" cy="230832"/>
+            <a:ext cx="306189" cy="246221"/>
           </a:xfrm>
           <a:prstGeom prst="rect">
             <a:avLst/>
@@ -3929,14 +3929,14 @@
           <a:lstStyle/>
           <a:p>
             <a:r>
-              <a:rPr lang="en-US" sz="900" dirty="0"/>
+              <a:rPr lang="en-US" sz="1000" dirty="0"/>
               <a:t>h</a:t>
             </a:r>
             <a:r>
-              <a:rPr lang="en-US" sz="900" baseline="-25000" dirty="0"/>
+              <a:rPr lang="en-US" sz="1000" baseline="-25000" dirty="0"/>
               <a:t>1</a:t>
             </a:r>
-            <a:endParaRPr lang="en-US" sz="900" dirty="0"/>
+            <a:endParaRPr lang="en-US" sz="1000" dirty="0"/>
           </a:p>
         </p:txBody>
       </p:sp>
@@ -3976,7 +3976,7 @@
           <a:lstStyle/>
           <a:p>
             <a:pPr algn="ctr"/>
-            <a:endParaRPr lang="en-US"/>
+            <a:endParaRPr lang="en-US" sz="2000"/>
           </a:p>
         </p:txBody>
       </p:sp>
@@ -4016,7 +4016,7 @@
           <a:lstStyle/>
           <a:p>
             <a:pPr algn="ctr"/>
-            <a:endParaRPr lang="en-US"/>
+            <a:endParaRPr lang="en-US" sz="2000"/>
           </a:p>
         </p:txBody>
       </p:sp>
@@ -4056,7 +4056,7 @@
           <a:lstStyle/>
           <a:p>
             <a:pPr algn="ctr"/>
-            <a:endParaRPr lang="en-US"/>
+            <a:endParaRPr lang="en-US" sz="2000"/>
           </a:p>
         </p:txBody>
       </p:sp>
@@ -4096,7 +4096,7 @@
           <a:lstStyle/>
           <a:p>
             <a:pPr algn="ctr"/>
-            <a:endParaRPr lang="en-US"/>
+            <a:endParaRPr lang="en-US" sz="2000"/>
           </a:p>
         </p:txBody>
       </p:sp>
@@ -4134,7 +4134,7 @@
           <a:lstStyle/>
           <a:p>
             <a:pPr algn="ctr"/>
-            <a:endParaRPr lang="en-US"/>
+            <a:endParaRPr lang="en-US" sz="2000"/>
           </a:p>
         </p:txBody>
       </p:sp>
@@ -4147,7 +4147,7 @@
         <p:spPr>
           <a:xfrm>
             <a:off x="5714046" y="3721651"/>
-            <a:ext cx="306189" cy="230832"/>
+            <a:ext cx="306189" cy="246221"/>
           </a:xfrm>
           <a:prstGeom prst="rect">
             <a:avLst/>
@@ -4161,14 +4161,14 @@
           <a:lstStyle/>
           <a:p>
             <a:r>
-              <a:rPr lang="en-US" sz="900" dirty="0" err="1"/>
+              <a:rPr lang="en-US" sz="1000" dirty="0" err="1"/>
               <a:t>h</a:t>
             </a:r>
             <a:r>
-              <a:rPr lang="en-US" sz="900" baseline="-25000" dirty="0" err="1"/>
+              <a:rPr lang="en-US" sz="1000" baseline="-25000" dirty="0" err="1"/>
               <a:t>n</a:t>
             </a:r>
-            <a:endParaRPr lang="en-US" sz="900" dirty="0"/>
+            <a:endParaRPr lang="en-US" sz="1000" dirty="0"/>
           </a:p>
         </p:txBody>
       </p:sp>
@@ -4206,7 +4206,7 @@
           <a:lstStyle/>
           <a:p>
             <a:pPr algn="ctr"/>
-            <a:endParaRPr lang="en-US"/>
+            <a:endParaRPr lang="en-US" sz="2000"/>
           </a:p>
         </p:txBody>
       </p:sp>
@@ -4244,7 +4244,7 @@
           <a:lstStyle/>
           <a:p>
             <a:pPr algn="ctr"/>
-            <a:endParaRPr lang="en-US"/>
+            <a:endParaRPr lang="en-US" sz="2000"/>
           </a:p>
         </p:txBody>
       </p:sp>
@@ -4257,7 +4257,7 @@
         <p:spPr>
           <a:xfrm>
             <a:off x="7817063" y="3040648"/>
-            <a:ext cx="306189" cy="230832"/>
+            <a:ext cx="306189" cy="246221"/>
           </a:xfrm>
           <a:prstGeom prst="rect">
             <a:avLst/>
@@ -4271,14 +4271,14 @@
           <a:lstStyle/>
           <a:p>
             <a:r>
-              <a:rPr lang="en-US" sz="900" dirty="0"/>
+              <a:rPr lang="en-US" sz="1000" dirty="0"/>
               <a:t>h</a:t>
             </a:r>
             <a:r>
-              <a:rPr lang="en-US" sz="900" baseline="-25000" dirty="0"/>
+              <a:rPr lang="en-US" sz="1000" baseline="-25000" dirty="0"/>
               <a:t>1</a:t>
             </a:r>
-            <a:endParaRPr lang="en-US" sz="900" dirty="0"/>
+            <a:endParaRPr lang="en-US" sz="1000" dirty="0"/>
           </a:p>
         </p:txBody>
       </p:sp>
@@ -4318,7 +4318,7 @@
           <a:lstStyle/>
           <a:p>
             <a:pPr algn="ctr"/>
-            <a:endParaRPr lang="en-US"/>
+            <a:endParaRPr lang="en-US" sz="2000"/>
           </a:p>
         </p:txBody>
       </p:sp>
@@ -4358,7 +4358,7 @@
           <a:lstStyle/>
           <a:p>
             <a:pPr algn="ctr"/>
-            <a:endParaRPr lang="en-US"/>
+            <a:endParaRPr lang="en-US" sz="2000"/>
           </a:p>
         </p:txBody>
       </p:sp>
@@ -4398,7 +4398,7 @@
           <a:lstStyle/>
           <a:p>
             <a:pPr algn="ctr"/>
-            <a:endParaRPr lang="en-US"/>
+            <a:endParaRPr lang="en-US" sz="2000"/>
           </a:p>
         </p:txBody>
       </p:sp>
@@ -4438,7 +4438,7 @@
           <a:lstStyle/>
           <a:p>
             <a:pPr algn="ctr"/>
-            <a:endParaRPr lang="en-US"/>
+            <a:endParaRPr lang="en-US" sz="2000"/>
           </a:p>
         </p:txBody>
       </p:sp>
@@ -4476,7 +4476,7 @@
           <a:lstStyle/>
           <a:p>
             <a:pPr algn="ctr"/>
-            <a:endParaRPr lang="en-US"/>
+            <a:endParaRPr lang="en-US" sz="2000"/>
           </a:p>
         </p:txBody>
       </p:sp>
@@ -4489,7 +4489,7 @@
         <p:spPr>
           <a:xfrm>
             <a:off x="7817063" y="3721651"/>
-            <a:ext cx="306189" cy="230832"/>
+            <a:ext cx="306189" cy="246221"/>
           </a:xfrm>
           <a:prstGeom prst="rect">
             <a:avLst/>
@@ -4503,14 +4503,14 @@
           <a:lstStyle/>
           <a:p>
             <a:r>
-              <a:rPr lang="en-US" sz="900" dirty="0" err="1"/>
+              <a:rPr lang="en-US" sz="1000" dirty="0" err="1"/>
               <a:t>h</a:t>
             </a:r>
             <a:r>
-              <a:rPr lang="en-US" sz="900" baseline="-25000" dirty="0" err="1"/>
+              <a:rPr lang="en-US" sz="1000" baseline="-25000" dirty="0" err="1"/>
               <a:t>n</a:t>
             </a:r>
-            <a:endParaRPr lang="en-US" sz="900" dirty="0"/>
+            <a:endParaRPr lang="en-US" sz="1000" dirty="0"/>
           </a:p>
         </p:txBody>
       </p:sp>
@@ -4548,7 +4548,7 @@
           <a:lstStyle/>
           <a:p>
             <a:pPr algn="ctr"/>
-            <a:endParaRPr lang="en-US"/>
+            <a:endParaRPr lang="en-US" sz="2000"/>
           </a:p>
         </p:txBody>
       </p:sp>
@@ -4586,7 +4586,7 @@
           <a:lstStyle/>
           <a:p>
             <a:pPr algn="ctr"/>
-            <a:endParaRPr lang="en-US"/>
+            <a:endParaRPr lang="en-US" sz="2000"/>
           </a:p>
         </p:txBody>
       </p:sp>
@@ -4599,7 +4599,7 @@
         <p:spPr>
           <a:xfrm>
             <a:off x="8460392" y="3040648"/>
-            <a:ext cx="306189" cy="230832"/>
+            <a:ext cx="306189" cy="246221"/>
           </a:xfrm>
           <a:prstGeom prst="rect">
             <a:avLst/>
@@ -4613,14 +4613,14 @@
           <a:lstStyle/>
           <a:p>
             <a:r>
-              <a:rPr lang="en-US" sz="900" dirty="0"/>
+              <a:rPr lang="en-US" sz="1000" dirty="0"/>
               <a:t>u</a:t>
             </a:r>
             <a:r>
-              <a:rPr lang="en-US" sz="900" baseline="-25000" dirty="0"/>
+              <a:rPr lang="en-US" sz="1000" baseline="-25000" dirty="0"/>
               <a:t>1</a:t>
             </a:r>
-            <a:endParaRPr lang="en-US" sz="900" dirty="0"/>
+            <a:endParaRPr lang="en-US" sz="1000" dirty="0"/>
           </a:p>
         </p:txBody>
       </p:sp>
@@ -4660,7 +4660,7 @@
           <a:lstStyle/>
           <a:p>
             <a:pPr algn="ctr"/>
-            <a:endParaRPr lang="en-US"/>
+            <a:endParaRPr lang="en-US" sz="2000"/>
           </a:p>
         </p:txBody>
       </p:sp>
@@ -4700,7 +4700,7 @@
           <a:lstStyle/>
           <a:p>
             <a:pPr algn="ctr"/>
-            <a:endParaRPr lang="en-US"/>
+            <a:endParaRPr lang="en-US" sz="2000"/>
           </a:p>
         </p:txBody>
       </p:sp>
@@ -4740,7 +4740,7 @@
           <a:lstStyle/>
           <a:p>
             <a:pPr algn="ctr"/>
-            <a:endParaRPr lang="en-US"/>
+            <a:endParaRPr lang="en-US" sz="2000"/>
           </a:p>
         </p:txBody>
       </p:sp>
@@ -4780,7 +4780,7 @@
           <a:lstStyle/>
           <a:p>
             <a:pPr algn="ctr"/>
-            <a:endParaRPr lang="en-US"/>
+            <a:endParaRPr lang="en-US" sz="2000"/>
           </a:p>
         </p:txBody>
       </p:sp>
@@ -4818,7 +4818,7 @@
           <a:lstStyle/>
           <a:p>
             <a:pPr algn="ctr"/>
-            <a:endParaRPr lang="en-US"/>
+            <a:endParaRPr lang="en-US" sz="2000"/>
           </a:p>
         </p:txBody>
       </p:sp>
@@ -4831,7 +4831,7 @@
         <p:spPr>
           <a:xfrm>
             <a:off x="8456558" y="3718604"/>
-            <a:ext cx="351266" cy="230832"/>
+            <a:ext cx="351266" cy="246221"/>
           </a:xfrm>
           <a:prstGeom prst="rect">
             <a:avLst/>
@@ -4845,14 +4845,14 @@
           <a:lstStyle/>
           <a:p>
             <a:r>
-              <a:rPr lang="en-US" sz="900" dirty="0"/>
+              <a:rPr lang="en-US" sz="1000" dirty="0"/>
               <a:t>u</a:t>
             </a:r>
             <a:r>
-              <a:rPr lang="en-US" sz="900" baseline="-25000" dirty="0"/>
+              <a:rPr lang="en-US" sz="1000" baseline="-25000" dirty="0"/>
               <a:t>m</a:t>
             </a:r>
-            <a:endParaRPr lang="en-US" sz="900" dirty="0"/>
+            <a:endParaRPr lang="en-US" sz="1000" dirty="0"/>
           </a:p>
         </p:txBody>
       </p:sp>
@@ -4892,7 +4892,7 @@
           <a:lstStyle/>
           <a:p>
             <a:pPr algn="ctr"/>
-            <a:endParaRPr lang="en-US"/>
+            <a:endParaRPr lang="en-US" sz="2000"/>
           </a:p>
         </p:txBody>
       </p:sp>
@@ -4932,7 +4932,7 @@
           <a:lstStyle/>
           <a:p>
             <a:pPr algn="ctr"/>
-            <a:endParaRPr lang="en-US"/>
+            <a:endParaRPr lang="en-US" sz="2000"/>
           </a:p>
         </p:txBody>
       </p:sp>
@@ -4972,7 +4972,7 @@
           <a:lstStyle/>
           <a:p>
             <a:pPr algn="ctr"/>
-            <a:endParaRPr lang="en-US"/>
+            <a:endParaRPr lang="en-US" sz="2000"/>
           </a:p>
         </p:txBody>
       </p:sp>
@@ -5012,7 +5012,7 @@
           <a:lstStyle/>
           <a:p>
             <a:pPr algn="ctr"/>
-            <a:endParaRPr lang="en-US"/>
+            <a:endParaRPr lang="en-US" sz="2000"/>
           </a:p>
         </p:txBody>
       </p:sp>
@@ -5052,7 +5052,7 @@
           <a:lstStyle/>
           <a:p>
             <a:pPr algn="ctr"/>
-            <a:endParaRPr lang="en-US"/>
+            <a:endParaRPr lang="en-US" sz="2000"/>
           </a:p>
         </p:txBody>
       </p:sp>
@@ -5092,7 +5092,7 @@
           <a:lstStyle/>
           <a:p>
             <a:pPr algn="ctr"/>
-            <a:endParaRPr lang="en-US"/>
+            <a:endParaRPr lang="en-US" sz="2000"/>
           </a:p>
         </p:txBody>
       </p:sp>
@@ -5132,7 +5132,7 @@
           <a:lstStyle/>
           <a:p>
             <a:pPr algn="ctr"/>
-            <a:endParaRPr lang="en-US"/>
+            <a:endParaRPr lang="en-US" sz="2000"/>
           </a:p>
         </p:txBody>
       </p:sp>
@@ -5172,7 +5172,7 @@
           <a:lstStyle/>
           <a:p>
             <a:pPr algn="ctr"/>
-            <a:endParaRPr lang="en-US"/>
+            <a:endParaRPr lang="en-US" sz="2000"/>
           </a:p>
         </p:txBody>
       </p:sp>
@@ -5212,7 +5212,7 @@
           <a:lstStyle/>
           <a:p>
             <a:pPr algn="ctr"/>
-            <a:endParaRPr lang="en-US"/>
+            <a:endParaRPr lang="en-US" sz="2000"/>
           </a:p>
         </p:txBody>
       </p:sp>
@@ -5252,7 +5252,7 @@
           <a:lstStyle/>
           <a:p>
             <a:pPr algn="ctr"/>
-            <a:endParaRPr lang="en-US"/>
+            <a:endParaRPr lang="en-US" sz="2000"/>
           </a:p>
         </p:txBody>
       </p:sp>
@@ -5292,7 +5292,7 @@
           <a:lstStyle/>
           <a:p>
             <a:pPr algn="ctr"/>
-            <a:endParaRPr lang="en-US"/>
+            <a:endParaRPr lang="en-US" sz="2000"/>
           </a:p>
         </p:txBody>
       </p:sp>
@@ -5332,7 +5332,7 @@
           <a:lstStyle/>
           <a:p>
             <a:pPr algn="ctr"/>
-            <a:endParaRPr lang="en-US"/>
+            <a:endParaRPr lang="en-US" sz="2000"/>
           </a:p>
         </p:txBody>
       </p:sp>
@@ -5372,7 +5372,7 @@
           <a:lstStyle/>
           <a:p>
             <a:pPr algn="ctr"/>
-            <a:endParaRPr lang="en-US"/>
+            <a:endParaRPr lang="en-US" sz="2000"/>
           </a:p>
         </p:txBody>
       </p:sp>
@@ -5412,7 +5412,7 @@
           <a:lstStyle/>
           <a:p>
             <a:pPr algn="ctr"/>
-            <a:endParaRPr lang="en-US"/>
+            <a:endParaRPr lang="en-US" sz="2000"/>
           </a:p>
         </p:txBody>
       </p:sp>
@@ -5452,7 +5452,7 @@
           <a:lstStyle/>
           <a:p>
             <a:pPr algn="ctr"/>
-            <a:endParaRPr lang="en-US"/>
+            <a:endParaRPr lang="en-US" sz="2000"/>
           </a:p>
         </p:txBody>
       </p:sp>
@@ -6514,8 +6514,8 @@
         </p:nvSpPr>
         <p:spPr>
           <a:xfrm>
-            <a:off x="3098976" y="3119755"/>
-            <a:ext cx="1097280" cy="731520"/>
+            <a:off x="3000777" y="3119755"/>
+            <a:ext cx="1195479" cy="731520"/>
           </a:xfrm>
           <a:prstGeom prst="roundRect">
             <a:avLst/>
@@ -6541,10 +6541,10 @@
           <a:p>
             <a:pPr algn="ctr"/>
             <a:r>
-              <a:rPr lang="en-US" sz="1200" dirty="0" smtClean="0"/>
+              <a:rPr lang="en-US" sz="1400" dirty="0" smtClean="0"/>
               <a:t>Observation</a:t>
             </a:r>
-            <a:endParaRPr lang="en-US" sz="1200" dirty="0"/>
+            <a:endParaRPr lang="en-US" sz="1400" dirty="0"/>
           </a:p>
         </p:txBody>
       </p:sp>
@@ -6583,10 +6583,10 @@
           <a:p>
             <a:pPr algn="ctr"/>
             <a:r>
-              <a:rPr lang="en-US" sz="1200" dirty="0"/>
+              <a:rPr lang="en-US" sz="1400" dirty="0"/>
               <a:t>Motor torques</a:t>
             </a:r>
-            <a:endParaRPr lang="en-US" sz="1200" dirty="0"/>
+            <a:endParaRPr lang="en-US" sz="1400" dirty="0"/>
           </a:p>
         </p:txBody>
       </p:sp>
@@ -6626,7 +6626,7 @@
           <a:lstStyle/>
           <a:p>
             <a:pPr algn="ctr"/>
-            <a:endParaRPr lang="en-US"/>
+            <a:endParaRPr lang="en-US" sz="2000"/>
           </a:p>
         </p:txBody>
       </p:sp>
@@ -6666,7 +6666,7 @@
           <a:lstStyle/>
           <a:p>
             <a:pPr algn="ctr"/>
-            <a:endParaRPr lang="en-US"/>
+            <a:endParaRPr lang="en-US" sz="2000"/>
           </a:p>
         </p:txBody>
       </p:sp>
@@ -6706,7 +6706,7 @@
           <a:lstStyle/>
           <a:p>
             <a:pPr algn="ctr"/>
-            <a:endParaRPr lang="en-US"/>
+            <a:endParaRPr lang="en-US" sz="2000"/>
           </a:p>
         </p:txBody>
       </p:sp>
@@ -6746,7 +6746,7 @@
           <a:lstStyle/>
           <a:p>
             <a:pPr algn="ctr"/>
-            <a:endParaRPr lang="en-US"/>
+            <a:endParaRPr lang="en-US" sz="2000"/>
           </a:p>
         </p:txBody>
       </p:sp>
@@ -6786,7 +6786,7 @@
           <a:lstStyle/>
           <a:p>
             <a:pPr algn="ctr"/>
-            <a:endParaRPr lang="en-US"/>
+            <a:endParaRPr lang="en-US" sz="2000"/>
           </a:p>
         </p:txBody>
       </p:sp>
@@ -6826,7 +6826,7 @@
           <a:lstStyle/>
           <a:p>
             <a:pPr algn="ctr"/>
-            <a:endParaRPr lang="en-US"/>
+            <a:endParaRPr lang="en-US" sz="2000"/>
           </a:p>
         </p:txBody>
       </p:sp>
@@ -6866,7 +6866,7 @@
           <a:lstStyle/>
           <a:p>
             <a:pPr algn="ctr"/>
-            <a:endParaRPr lang="en-US"/>
+            <a:endParaRPr lang="en-US" sz="2000"/>
           </a:p>
         </p:txBody>
       </p:sp>
@@ -6906,7 +6906,7 @@
           <a:lstStyle/>
           <a:p>
             <a:pPr algn="ctr"/>
-            <a:endParaRPr lang="en-US"/>
+            <a:endParaRPr lang="en-US" sz="2000"/>
           </a:p>
         </p:txBody>
       </p:sp>
@@ -6946,7 +6946,7 @@
           <a:lstStyle/>
           <a:p>
             <a:pPr algn="ctr"/>
-            <a:endParaRPr lang="en-US"/>
+            <a:endParaRPr lang="en-US" sz="2000"/>
           </a:p>
         </p:txBody>
       </p:sp>
@@ -6986,7 +6986,7 @@
           <a:lstStyle/>
           <a:p>
             <a:pPr algn="ctr"/>
-            <a:endParaRPr lang="en-US"/>
+            <a:endParaRPr lang="en-US" sz="2000"/>
           </a:p>
         </p:txBody>
       </p:sp>
@@ -7026,7 +7026,7 @@
           <a:lstStyle/>
           <a:p>
             <a:pPr algn="ctr"/>
-            <a:endParaRPr lang="en-US"/>
+            <a:endParaRPr lang="en-US" sz="2000"/>
           </a:p>
         </p:txBody>
       </p:sp>
@@ -7066,7 +7066,7 @@
           <a:lstStyle/>
           <a:p>
             <a:pPr algn="ctr"/>
-            <a:endParaRPr lang="en-US"/>
+            <a:endParaRPr lang="en-US" sz="2000"/>
           </a:p>
         </p:txBody>
       </p:sp>
@@ -7078,8 +7078,8 @@
         </p:nvSpPr>
         <p:spPr>
           <a:xfrm>
-            <a:off x="5137991" y="2380650"/>
-            <a:ext cx="3392532" cy="338554"/>
+            <a:off x="5034959" y="2380650"/>
+            <a:ext cx="3799117" cy="369332"/>
           </a:xfrm>
           <a:prstGeom prst="rect">
             <a:avLst/>
@@ -7093,10 +7093,10 @@
           <a:lstStyle/>
           <a:p>
             <a:r>
-              <a:rPr lang="en-US" sz="1600" dirty="0" smtClean="0"/>
+              <a:rPr lang="en-US" dirty="0" smtClean="0"/>
               <a:t>(a) Standard robotics control approach</a:t>
             </a:r>
-            <a:endParaRPr lang="en-US" sz="1600" dirty="0"/>
+            <a:endParaRPr lang="en-US" dirty="0"/>
           </a:p>
         </p:txBody>
       </p:sp>
@@ -7108,8 +7108,8 @@
         </p:nvSpPr>
         <p:spPr>
           <a:xfrm>
-            <a:off x="5137991" y="4025306"/>
-            <a:ext cx="3415807" cy="338554"/>
+            <a:off x="5034959" y="4025306"/>
+            <a:ext cx="3833550" cy="369332"/>
           </a:xfrm>
           <a:prstGeom prst="rect">
             <a:avLst/>
@@ -7123,10 +7123,10 @@
           <a:lstStyle/>
           <a:p>
             <a:r>
-              <a:rPr lang="en-US" sz="1600" dirty="0" smtClean="0"/>
+              <a:rPr lang="en-US" dirty="0" smtClean="0"/>
               <a:t>(b) End-to-end deep learning approach</a:t>
             </a:r>
-            <a:endParaRPr lang="en-US" sz="1600" dirty="0"/>
+            <a:endParaRPr lang="en-US" dirty="0"/>
           </a:p>
         </p:txBody>
       </p:sp>
